--- a/Apresentação TCC1 Paulo.pptx
+++ b/Apresentação TCC1 Paulo.pptx
@@ -114,6 +114,22 @@
       </a:defRPr>
     </a:lvl9pPr>
   </p:defaultTextStyle>
+  <p:extLst>
+    <p:ext uri="{EFAFB233-063F-42B5-8137-9DF3F51BA10A}">
+      <p15:sldGuideLst xmlns:p15="http://schemas.microsoft.com/office/powerpoint/2012/main">
+        <p15:guide id="1" orient="horz" pos="2160">
+          <p15:clr>
+            <a:srgbClr val="A4A3A4"/>
+          </p15:clr>
+        </p15:guide>
+        <p15:guide id="2" pos="2880">
+          <p15:clr>
+            <a:srgbClr val="A4A3A4"/>
+          </p15:clr>
+        </p15:guide>
+      </p15:sldGuideLst>
+    </p:ext>
+  </p:extLst>
 </p:presentation>
 </file>
 
@@ -251,7 +267,7 @@
           <a:p>
             <a:fld id="{06D2B188-86D3-414B-BB86-E6D1024CE684}" type="datetimeFigureOut">
               <a:rPr lang="pt-BR" smtClean="0"/>
-              <a:t>25/11/2015</a:t>
+              <a:t>05/07/2016</a:t>
             </a:fld>
             <a:endParaRPr lang="pt-BR"/>
           </a:p>
@@ -564,7 +580,7 @@
           <a:p>
             <a:fld id="{06D2B188-86D3-414B-BB86-E6D1024CE684}" type="datetimeFigureOut">
               <a:rPr lang="pt-BR" smtClean="0"/>
-              <a:t>25/11/2015</a:t>
+              <a:t>05/07/2016</a:t>
             </a:fld>
             <a:endParaRPr lang="pt-BR"/>
           </a:p>
@@ -749,7 +765,7 @@
           <a:p>
             <a:fld id="{06D2B188-86D3-414B-BB86-E6D1024CE684}" type="datetimeFigureOut">
               <a:rPr lang="pt-BR" smtClean="0"/>
-              <a:t>25/11/2015</a:t>
+              <a:t>05/07/2016</a:t>
             </a:fld>
             <a:endParaRPr lang="pt-BR"/>
           </a:p>
@@ -924,7 +940,7 @@
           <a:p>
             <a:fld id="{06D2B188-86D3-414B-BB86-E6D1024CE684}" type="datetimeFigureOut">
               <a:rPr lang="pt-BR" smtClean="0"/>
-              <a:t>25/11/2015</a:t>
+              <a:t>05/07/2016</a:t>
             </a:fld>
             <a:endParaRPr lang="pt-BR"/>
           </a:p>
@@ -1192,7 +1208,7 @@
           <a:p>
             <a:fld id="{06D2B188-86D3-414B-BB86-E6D1024CE684}" type="datetimeFigureOut">
               <a:rPr lang="pt-BR" smtClean="0"/>
-              <a:t>25/11/2015</a:t>
+              <a:t>05/07/2016</a:t>
             </a:fld>
             <a:endParaRPr lang="pt-BR"/>
           </a:p>
@@ -1660,7 +1676,7 @@
           <a:p>
             <a:fld id="{06D2B188-86D3-414B-BB86-E6D1024CE684}" type="datetimeFigureOut">
               <a:rPr lang="pt-BR" smtClean="0"/>
-              <a:t>25/11/2015</a:t>
+              <a:t>05/07/2016</a:t>
             </a:fld>
             <a:endParaRPr lang="pt-BR"/>
           </a:p>
@@ -2149,7 +2165,7 @@
           <a:p>
             <a:fld id="{06D2B188-86D3-414B-BB86-E6D1024CE684}" type="datetimeFigureOut">
               <a:rPr lang="pt-BR" smtClean="0"/>
-              <a:t>25/11/2015</a:t>
+              <a:t>05/07/2016</a:t>
             </a:fld>
             <a:endParaRPr lang="pt-BR"/>
           </a:p>
@@ -2275,7 +2291,7 @@
           <a:p>
             <a:fld id="{06D2B188-86D3-414B-BB86-E6D1024CE684}" type="datetimeFigureOut">
               <a:rPr lang="pt-BR" smtClean="0"/>
-              <a:t>25/11/2015</a:t>
+              <a:t>05/07/2016</a:t>
             </a:fld>
             <a:endParaRPr lang="pt-BR"/>
           </a:p>
@@ -2419,7 +2435,7 @@
           <a:p>
             <a:fld id="{06D2B188-86D3-414B-BB86-E6D1024CE684}" type="datetimeFigureOut">
               <a:rPr lang="pt-BR" smtClean="0"/>
-              <a:t>25/11/2015</a:t>
+              <a:t>05/07/2016</a:t>
             </a:fld>
             <a:endParaRPr lang="pt-BR"/>
           </a:p>
@@ -2741,7 +2757,7 @@
           <a:p>
             <a:fld id="{06D2B188-86D3-414B-BB86-E6D1024CE684}" type="datetimeFigureOut">
               <a:rPr lang="pt-BR" smtClean="0"/>
-              <a:t>25/11/2015</a:t>
+              <a:t>05/07/2016</a:t>
             </a:fld>
             <a:endParaRPr lang="pt-BR"/>
           </a:p>
@@ -2875,7 +2891,7 @@
           <a:p>
             <a:fld id="{06D2B188-86D3-414B-BB86-E6D1024CE684}" type="datetimeFigureOut">
               <a:rPr lang="pt-BR" smtClean="0"/>
-              <a:t>25/11/2015</a:t>
+              <a:t>05/07/2016</a:t>
             </a:fld>
             <a:endParaRPr lang="pt-BR"/>
           </a:p>
@@ -3656,7 +3672,7 @@
           <a:p>
             <a:fld id="{06D2B188-86D3-414B-BB86-E6D1024CE684}" type="datetimeFigureOut">
               <a:rPr lang="pt-BR" smtClean="0"/>
-              <a:t>25/11/2015</a:t>
+              <a:t>05/07/2016</a:t>
             </a:fld>
             <a:endParaRPr lang="pt-BR"/>
           </a:p>
@@ -4217,8 +4233,16 @@
           </a:p>
           <a:p>
             <a:r>
+              <a:rPr lang="pt-BR" sz="1800" dirty="0"/>
+              <a:t>8</a:t>
+            </a:r>
+            <a:r>
               <a:rPr lang="pt-BR" sz="1800" dirty="0" smtClean="0"/>
-              <a:t>7º Período – TCC -1</a:t>
+              <a:t>º </a:t>
+            </a:r>
+            <a:r>
+              <a:rPr lang="pt-BR" sz="1800" dirty="0" smtClean="0"/>
+              <a:t>Período – TCC -1</a:t>
             </a:r>
           </a:p>
           <a:p>

--- a/Apresentação TCC1 Paulo.pptx
+++ b/Apresentação TCC1 Paulo.pptx
@@ -4,6 +4,9 @@
   <p:sldMasterIdLst>
     <p:sldMasterId id="2147483672" r:id="rId1"/>
   </p:sldMasterIdLst>
+  <p:notesMasterIdLst>
+    <p:notesMasterId r:id="rId13"/>
+  </p:notesMasterIdLst>
   <p:sldIdLst>
     <p:sldId id="256" r:id="rId2"/>
     <p:sldId id="258" r:id="rId3"/>
@@ -116,7 +119,7 @@
   </p:defaultTextStyle>
   <p:extLst>
     <p:ext uri="{EFAFB233-063F-42B5-8137-9DF3F51BA10A}">
-      <p15:sldGuideLst xmlns:p15="http://schemas.microsoft.com/office/powerpoint/2012/main">
+      <p15:sldGuideLst xmlns:p15="http://schemas.microsoft.com/office/powerpoint/2012/main" xmlns="">
         <p15:guide id="1" orient="horz" pos="2160">
           <p15:clr>
             <a:srgbClr val="A4A3A4"/>
@@ -131,6 +134,440 @@
     </p:ext>
   </p:extLst>
 </p:presentation>
+</file>
+
+<file path=ppt/notesMasters/notesMaster1.xml><?xml version="1.0" encoding="utf-8"?>
+<p:notesMaster xmlns:a="http://schemas.openxmlformats.org/drawingml/2006/main" xmlns:r="http://schemas.openxmlformats.org/officeDocument/2006/relationships" xmlns:p="http://schemas.openxmlformats.org/presentationml/2006/main">
+  <p:cSld>
+    <p:bg>
+      <p:bgRef idx="1001">
+        <a:schemeClr val="bg1"/>
+      </p:bgRef>
+    </p:bg>
+    <p:spTree>
+      <p:nvGrpSpPr>
+        <p:cNvPr id="1" name=""/>
+        <p:cNvGrpSpPr/>
+        <p:nvPr/>
+      </p:nvGrpSpPr>
+      <p:grpSpPr>
+        <a:xfrm>
+          <a:off x="0" y="0"/>
+          <a:ext cx="0" cy="0"/>
+          <a:chOff x="0" y="0"/>
+          <a:chExt cx="0" cy="0"/>
+        </a:xfrm>
+      </p:grpSpPr>
+      <p:sp>
+        <p:nvSpPr>
+          <p:cNvPr id="2" name="Espaço Reservado para Cabeçalho 1"/>
+          <p:cNvSpPr>
+            <a:spLocks noGrp="1"/>
+          </p:cNvSpPr>
+          <p:nvPr>
+            <p:ph type="hdr" sz="quarter"/>
+          </p:nvPr>
+        </p:nvSpPr>
+        <p:spPr>
+          <a:xfrm>
+            <a:off x="0" y="0"/>
+            <a:ext cx="2971800" cy="457200"/>
+          </a:xfrm>
+          <a:prstGeom prst="rect">
+            <a:avLst/>
+          </a:prstGeom>
+        </p:spPr>
+        <p:txBody>
+          <a:bodyPr vert="horz" lIns="91440" tIns="45720" rIns="91440" bIns="45720" rtlCol="0"/>
+          <a:lstStyle>
+            <a:lvl1pPr algn="l">
+              <a:defRPr sz="1200"/>
+            </a:lvl1pPr>
+          </a:lstStyle>
+          <a:p>
+            <a:endParaRPr lang="pt-BR"/>
+          </a:p>
+        </p:txBody>
+      </p:sp>
+      <p:sp>
+        <p:nvSpPr>
+          <p:cNvPr id="3" name="Espaço Reservado para Data 2"/>
+          <p:cNvSpPr>
+            <a:spLocks noGrp="1"/>
+          </p:cNvSpPr>
+          <p:nvPr>
+            <p:ph type="dt" idx="1"/>
+          </p:nvPr>
+        </p:nvSpPr>
+        <p:spPr>
+          <a:xfrm>
+            <a:off x="3884613" y="0"/>
+            <a:ext cx="2971800" cy="457200"/>
+          </a:xfrm>
+          <a:prstGeom prst="rect">
+            <a:avLst/>
+          </a:prstGeom>
+        </p:spPr>
+        <p:txBody>
+          <a:bodyPr vert="horz" lIns="91440" tIns="45720" rIns="91440" bIns="45720" rtlCol="0"/>
+          <a:lstStyle>
+            <a:lvl1pPr algn="r">
+              <a:defRPr sz="1200"/>
+            </a:lvl1pPr>
+          </a:lstStyle>
+          <a:p>
+            <a:fld id="{9989CECE-F34A-4DE1-9A7F-F1C960912CD7}" type="datetimeFigureOut">
+              <a:rPr lang="pt-BR" smtClean="0"/>
+              <a:t>25/11/2016</a:t>
+            </a:fld>
+            <a:endParaRPr lang="pt-BR"/>
+          </a:p>
+        </p:txBody>
+      </p:sp>
+      <p:sp>
+        <p:nvSpPr>
+          <p:cNvPr id="4" name="Espaço Reservado para Imagem de Slide 3"/>
+          <p:cNvSpPr>
+            <a:spLocks noGrp="1" noRot="1" noChangeAspect="1"/>
+          </p:cNvSpPr>
+          <p:nvPr>
+            <p:ph type="sldImg" idx="2"/>
+          </p:nvPr>
+        </p:nvSpPr>
+        <p:spPr>
+          <a:xfrm>
+            <a:off x="1143000" y="685800"/>
+            <a:ext cx="4572000" cy="3429000"/>
+          </a:xfrm>
+          <a:prstGeom prst="rect">
+            <a:avLst/>
+          </a:prstGeom>
+          <a:noFill/>
+          <a:ln w="12700">
+            <a:solidFill>
+              <a:prstClr val="black"/>
+            </a:solidFill>
+          </a:ln>
+        </p:spPr>
+        <p:txBody>
+          <a:bodyPr vert="horz" lIns="91440" tIns="45720" rIns="91440" bIns="45720" rtlCol="0" anchor="ctr"/>
+          <a:lstStyle/>
+          <a:p>
+            <a:endParaRPr lang="pt-BR"/>
+          </a:p>
+        </p:txBody>
+      </p:sp>
+      <p:sp>
+        <p:nvSpPr>
+          <p:cNvPr id="5" name="Espaço Reservado para Anotações 4"/>
+          <p:cNvSpPr>
+            <a:spLocks noGrp="1"/>
+          </p:cNvSpPr>
+          <p:nvPr>
+            <p:ph type="body" sz="quarter" idx="3"/>
+          </p:nvPr>
+        </p:nvSpPr>
+        <p:spPr>
+          <a:xfrm>
+            <a:off x="685800" y="4343400"/>
+            <a:ext cx="5486400" cy="4114800"/>
+          </a:xfrm>
+          <a:prstGeom prst="rect">
+            <a:avLst/>
+          </a:prstGeom>
+        </p:spPr>
+        <p:txBody>
+          <a:bodyPr vert="horz" lIns="91440" tIns="45720" rIns="91440" bIns="45720" rtlCol="0"/>
+          <a:lstStyle/>
+          <a:p>
+            <a:pPr lvl="0"/>
+            <a:r>
+              <a:rPr lang="pt-BR" smtClean="0"/>
+              <a:t>Clique para editar o texto mestre</a:t>
+            </a:r>
+          </a:p>
+          <a:p>
+            <a:pPr lvl="1"/>
+            <a:r>
+              <a:rPr lang="pt-BR" smtClean="0"/>
+              <a:t>Segundo nível</a:t>
+            </a:r>
+          </a:p>
+          <a:p>
+            <a:pPr lvl="2"/>
+            <a:r>
+              <a:rPr lang="pt-BR" smtClean="0"/>
+              <a:t>Terceiro nível</a:t>
+            </a:r>
+          </a:p>
+          <a:p>
+            <a:pPr lvl="3"/>
+            <a:r>
+              <a:rPr lang="pt-BR" smtClean="0"/>
+              <a:t>Quarto nível</a:t>
+            </a:r>
+          </a:p>
+          <a:p>
+            <a:pPr lvl="4"/>
+            <a:r>
+              <a:rPr lang="pt-BR" smtClean="0"/>
+              <a:t>Quinto nível</a:t>
+            </a:r>
+            <a:endParaRPr lang="pt-BR"/>
+          </a:p>
+        </p:txBody>
+      </p:sp>
+      <p:sp>
+        <p:nvSpPr>
+          <p:cNvPr id="6" name="Espaço Reservado para Rodapé 5"/>
+          <p:cNvSpPr>
+            <a:spLocks noGrp="1"/>
+          </p:cNvSpPr>
+          <p:nvPr>
+            <p:ph type="ftr" sz="quarter" idx="4"/>
+          </p:nvPr>
+        </p:nvSpPr>
+        <p:spPr>
+          <a:xfrm>
+            <a:off x="0" y="8685213"/>
+            <a:ext cx="2971800" cy="457200"/>
+          </a:xfrm>
+          <a:prstGeom prst="rect">
+            <a:avLst/>
+          </a:prstGeom>
+        </p:spPr>
+        <p:txBody>
+          <a:bodyPr vert="horz" lIns="91440" tIns="45720" rIns="91440" bIns="45720" rtlCol="0" anchor="b"/>
+          <a:lstStyle>
+            <a:lvl1pPr algn="l">
+              <a:defRPr sz="1200"/>
+            </a:lvl1pPr>
+          </a:lstStyle>
+          <a:p>
+            <a:endParaRPr lang="pt-BR"/>
+          </a:p>
+        </p:txBody>
+      </p:sp>
+      <p:sp>
+        <p:nvSpPr>
+          <p:cNvPr id="7" name="Espaço Reservado para Número de Slide 6"/>
+          <p:cNvSpPr>
+            <a:spLocks noGrp="1"/>
+          </p:cNvSpPr>
+          <p:nvPr>
+            <p:ph type="sldNum" sz="quarter" idx="5"/>
+          </p:nvPr>
+        </p:nvSpPr>
+        <p:spPr>
+          <a:xfrm>
+            <a:off x="3884613" y="8685213"/>
+            <a:ext cx="2971800" cy="457200"/>
+          </a:xfrm>
+          <a:prstGeom prst="rect">
+            <a:avLst/>
+          </a:prstGeom>
+        </p:spPr>
+        <p:txBody>
+          <a:bodyPr vert="horz" lIns="91440" tIns="45720" rIns="91440" bIns="45720" rtlCol="0" anchor="b"/>
+          <a:lstStyle>
+            <a:lvl1pPr algn="r">
+              <a:defRPr sz="1200"/>
+            </a:lvl1pPr>
+          </a:lstStyle>
+          <a:p>
+            <a:fld id="{49BA7535-6145-460A-A3EA-4E128E2DC848}" type="slidenum">
+              <a:rPr lang="pt-BR" smtClean="0"/>
+              <a:t>‹nº›</a:t>
+            </a:fld>
+            <a:endParaRPr lang="pt-BR"/>
+          </a:p>
+        </p:txBody>
+      </p:sp>
+    </p:spTree>
+    <p:extLst>
+      <p:ext uri="{BB962C8B-B14F-4D97-AF65-F5344CB8AC3E}">
+        <p14:creationId xmlns:p14="http://schemas.microsoft.com/office/powerpoint/2010/main" val="2488324149"/>
+      </p:ext>
+    </p:extLst>
+  </p:cSld>
+  <p:clrMap bg1="lt1" tx1="dk1" bg2="lt2" tx2="dk2" accent1="accent1" accent2="accent2" accent3="accent3" accent4="accent4" accent5="accent5" accent6="accent6" hlink="hlink" folHlink="folHlink"/>
+  <p:notesStyle>
+    <a:lvl1pPr marL="0" algn="l" defTabSz="914400" rtl="0" eaLnBrk="1" latinLnBrk="0" hangingPunct="1">
+      <a:defRPr sz="1200" kern="1200">
+        <a:solidFill>
+          <a:schemeClr val="tx1"/>
+        </a:solidFill>
+        <a:latin typeface="+mn-lt"/>
+        <a:ea typeface="+mn-ea"/>
+        <a:cs typeface="+mn-cs"/>
+      </a:defRPr>
+    </a:lvl1pPr>
+    <a:lvl2pPr marL="457200" algn="l" defTabSz="914400" rtl="0" eaLnBrk="1" latinLnBrk="0" hangingPunct="1">
+      <a:defRPr sz="1200" kern="1200">
+        <a:solidFill>
+          <a:schemeClr val="tx1"/>
+        </a:solidFill>
+        <a:latin typeface="+mn-lt"/>
+        <a:ea typeface="+mn-ea"/>
+        <a:cs typeface="+mn-cs"/>
+      </a:defRPr>
+    </a:lvl2pPr>
+    <a:lvl3pPr marL="914400" algn="l" defTabSz="914400" rtl="0" eaLnBrk="1" latinLnBrk="0" hangingPunct="1">
+      <a:defRPr sz="1200" kern="1200">
+        <a:solidFill>
+          <a:schemeClr val="tx1"/>
+        </a:solidFill>
+        <a:latin typeface="+mn-lt"/>
+        <a:ea typeface="+mn-ea"/>
+        <a:cs typeface="+mn-cs"/>
+      </a:defRPr>
+    </a:lvl3pPr>
+    <a:lvl4pPr marL="1371600" algn="l" defTabSz="914400" rtl="0" eaLnBrk="1" latinLnBrk="0" hangingPunct="1">
+      <a:defRPr sz="1200" kern="1200">
+        <a:solidFill>
+          <a:schemeClr val="tx1"/>
+        </a:solidFill>
+        <a:latin typeface="+mn-lt"/>
+        <a:ea typeface="+mn-ea"/>
+        <a:cs typeface="+mn-cs"/>
+      </a:defRPr>
+    </a:lvl4pPr>
+    <a:lvl5pPr marL="1828800" algn="l" defTabSz="914400" rtl="0" eaLnBrk="1" latinLnBrk="0" hangingPunct="1">
+      <a:defRPr sz="1200" kern="1200">
+        <a:solidFill>
+          <a:schemeClr val="tx1"/>
+        </a:solidFill>
+        <a:latin typeface="+mn-lt"/>
+        <a:ea typeface="+mn-ea"/>
+        <a:cs typeface="+mn-cs"/>
+      </a:defRPr>
+    </a:lvl5pPr>
+    <a:lvl6pPr marL="2286000" algn="l" defTabSz="914400" rtl="0" eaLnBrk="1" latinLnBrk="0" hangingPunct="1">
+      <a:defRPr sz="1200" kern="1200">
+        <a:solidFill>
+          <a:schemeClr val="tx1"/>
+        </a:solidFill>
+        <a:latin typeface="+mn-lt"/>
+        <a:ea typeface="+mn-ea"/>
+        <a:cs typeface="+mn-cs"/>
+      </a:defRPr>
+    </a:lvl6pPr>
+    <a:lvl7pPr marL="2743200" algn="l" defTabSz="914400" rtl="0" eaLnBrk="1" latinLnBrk="0" hangingPunct="1">
+      <a:defRPr sz="1200" kern="1200">
+        <a:solidFill>
+          <a:schemeClr val="tx1"/>
+        </a:solidFill>
+        <a:latin typeface="+mn-lt"/>
+        <a:ea typeface="+mn-ea"/>
+        <a:cs typeface="+mn-cs"/>
+      </a:defRPr>
+    </a:lvl7pPr>
+    <a:lvl8pPr marL="3200400" algn="l" defTabSz="914400" rtl="0" eaLnBrk="1" latinLnBrk="0" hangingPunct="1">
+      <a:defRPr sz="1200" kern="1200">
+        <a:solidFill>
+          <a:schemeClr val="tx1"/>
+        </a:solidFill>
+        <a:latin typeface="+mn-lt"/>
+        <a:ea typeface="+mn-ea"/>
+        <a:cs typeface="+mn-cs"/>
+      </a:defRPr>
+    </a:lvl8pPr>
+    <a:lvl9pPr marL="3657600" algn="l" defTabSz="914400" rtl="0" eaLnBrk="1" latinLnBrk="0" hangingPunct="1">
+      <a:defRPr sz="1200" kern="1200">
+        <a:solidFill>
+          <a:schemeClr val="tx1"/>
+        </a:solidFill>
+        <a:latin typeface="+mn-lt"/>
+        <a:ea typeface="+mn-ea"/>
+        <a:cs typeface="+mn-cs"/>
+      </a:defRPr>
+    </a:lvl9pPr>
+  </p:notesStyle>
+</p:notesMaster>
+</file>
+
+<file path=ppt/notesSlides/notesSlide1.xml><?xml version="1.0" encoding="utf-8"?>
+<p:notes xmlns:a="http://schemas.openxmlformats.org/drawingml/2006/main" xmlns:r="http://schemas.openxmlformats.org/officeDocument/2006/relationships" xmlns:p="http://schemas.openxmlformats.org/presentationml/2006/main">
+  <p:cSld>
+    <p:spTree>
+      <p:nvGrpSpPr>
+        <p:cNvPr id="1" name=""/>
+        <p:cNvGrpSpPr/>
+        <p:nvPr/>
+      </p:nvGrpSpPr>
+      <p:grpSpPr>
+        <a:xfrm>
+          <a:off x="0" y="0"/>
+          <a:ext cx="0" cy="0"/>
+          <a:chOff x="0" y="0"/>
+          <a:chExt cx="0" cy="0"/>
+        </a:xfrm>
+      </p:grpSpPr>
+      <p:sp>
+        <p:nvSpPr>
+          <p:cNvPr id="2" name="Espaço Reservado para Imagem de Slide 1"/>
+          <p:cNvSpPr>
+            <a:spLocks noGrp="1" noRot="1" noChangeAspect="1"/>
+          </p:cNvSpPr>
+          <p:nvPr>
+            <p:ph type="sldImg"/>
+          </p:nvPr>
+        </p:nvSpPr>
+        <p:spPr/>
+      </p:sp>
+      <p:sp>
+        <p:nvSpPr>
+          <p:cNvPr id="3" name="Espaço Reservado para Anotações 2"/>
+          <p:cNvSpPr>
+            <a:spLocks noGrp="1"/>
+          </p:cNvSpPr>
+          <p:nvPr>
+            <p:ph type="body" idx="1"/>
+          </p:nvPr>
+        </p:nvSpPr>
+        <p:spPr/>
+        <p:txBody>
+          <a:bodyPr/>
+          <a:lstStyle/>
+          <a:p>
+            <a:endParaRPr lang="pt-BR" dirty="0"/>
+          </a:p>
+        </p:txBody>
+      </p:sp>
+      <p:sp>
+        <p:nvSpPr>
+          <p:cNvPr id="4" name="Espaço Reservado para Número de Slide 3"/>
+          <p:cNvSpPr>
+            <a:spLocks noGrp="1"/>
+          </p:cNvSpPr>
+          <p:nvPr>
+            <p:ph type="sldNum" sz="quarter" idx="10"/>
+          </p:nvPr>
+        </p:nvSpPr>
+        <p:spPr/>
+        <p:txBody>
+          <a:bodyPr/>
+          <a:lstStyle/>
+          <a:p>
+            <a:fld id="{49BA7535-6145-460A-A3EA-4E128E2DC848}" type="slidenum">
+              <a:rPr lang="pt-BR" smtClean="0"/>
+              <a:t>3</a:t>
+            </a:fld>
+            <a:endParaRPr lang="pt-BR"/>
+          </a:p>
+        </p:txBody>
+      </p:sp>
+    </p:spTree>
+    <p:extLst>
+      <p:ext uri="{BB962C8B-B14F-4D97-AF65-F5344CB8AC3E}">
+        <p14:creationId xmlns:p14="http://schemas.microsoft.com/office/powerpoint/2010/main" val="2274133351"/>
+      </p:ext>
+    </p:extLst>
+  </p:cSld>
+  <p:clrMapOvr>
+    <a:masterClrMapping/>
+  </p:clrMapOvr>
+</p:notes>
 </file>
 
 <file path=ppt/slideLayouts/slideLayout1.xml><?xml version="1.0" encoding="utf-8"?>
@@ -267,7 +704,7 @@
           <a:p>
             <a:fld id="{06D2B188-86D3-414B-BB86-E6D1024CE684}" type="datetimeFigureOut">
               <a:rPr lang="pt-BR" smtClean="0"/>
-              <a:t>05/07/2016</a:t>
+              <a:t>25/11/2016</a:t>
             </a:fld>
             <a:endParaRPr lang="pt-BR"/>
           </a:p>
@@ -580,7 +1017,7 @@
           <a:p>
             <a:fld id="{06D2B188-86D3-414B-BB86-E6D1024CE684}" type="datetimeFigureOut">
               <a:rPr lang="pt-BR" smtClean="0"/>
-              <a:t>05/07/2016</a:t>
+              <a:t>25/11/2016</a:t>
             </a:fld>
             <a:endParaRPr lang="pt-BR"/>
           </a:p>
@@ -765,7 +1202,7 @@
           <a:p>
             <a:fld id="{06D2B188-86D3-414B-BB86-E6D1024CE684}" type="datetimeFigureOut">
               <a:rPr lang="pt-BR" smtClean="0"/>
-              <a:t>05/07/2016</a:t>
+              <a:t>25/11/2016</a:t>
             </a:fld>
             <a:endParaRPr lang="pt-BR"/>
           </a:p>
@@ -940,7 +1377,7 @@
           <a:p>
             <a:fld id="{06D2B188-86D3-414B-BB86-E6D1024CE684}" type="datetimeFigureOut">
               <a:rPr lang="pt-BR" smtClean="0"/>
-              <a:t>05/07/2016</a:t>
+              <a:t>25/11/2016</a:t>
             </a:fld>
             <a:endParaRPr lang="pt-BR"/>
           </a:p>
@@ -1208,7 +1645,7 @@
           <a:p>
             <a:fld id="{06D2B188-86D3-414B-BB86-E6D1024CE684}" type="datetimeFigureOut">
               <a:rPr lang="pt-BR" smtClean="0"/>
-              <a:t>05/07/2016</a:t>
+              <a:t>25/11/2016</a:t>
             </a:fld>
             <a:endParaRPr lang="pt-BR"/>
           </a:p>
@@ -1676,7 +2113,7 @@
           <a:p>
             <a:fld id="{06D2B188-86D3-414B-BB86-E6D1024CE684}" type="datetimeFigureOut">
               <a:rPr lang="pt-BR" smtClean="0"/>
-              <a:t>05/07/2016</a:t>
+              <a:t>25/11/2016</a:t>
             </a:fld>
             <a:endParaRPr lang="pt-BR"/>
           </a:p>
@@ -2165,7 +2602,7 @@
           <a:p>
             <a:fld id="{06D2B188-86D3-414B-BB86-E6D1024CE684}" type="datetimeFigureOut">
               <a:rPr lang="pt-BR" smtClean="0"/>
-              <a:t>05/07/2016</a:t>
+              <a:t>25/11/2016</a:t>
             </a:fld>
             <a:endParaRPr lang="pt-BR"/>
           </a:p>
@@ -2291,7 +2728,7 @@
           <a:p>
             <a:fld id="{06D2B188-86D3-414B-BB86-E6D1024CE684}" type="datetimeFigureOut">
               <a:rPr lang="pt-BR" smtClean="0"/>
-              <a:t>05/07/2016</a:t>
+              <a:t>25/11/2016</a:t>
             </a:fld>
             <a:endParaRPr lang="pt-BR"/>
           </a:p>
@@ -2435,7 +2872,7 @@
           <a:p>
             <a:fld id="{06D2B188-86D3-414B-BB86-E6D1024CE684}" type="datetimeFigureOut">
               <a:rPr lang="pt-BR" smtClean="0"/>
-              <a:t>05/07/2016</a:t>
+              <a:t>25/11/2016</a:t>
             </a:fld>
             <a:endParaRPr lang="pt-BR"/>
           </a:p>
@@ -2757,7 +3194,7 @@
           <a:p>
             <a:fld id="{06D2B188-86D3-414B-BB86-E6D1024CE684}" type="datetimeFigureOut">
               <a:rPr lang="pt-BR" smtClean="0"/>
-              <a:t>05/07/2016</a:t>
+              <a:t>25/11/2016</a:t>
             </a:fld>
             <a:endParaRPr lang="pt-BR"/>
           </a:p>
@@ -2891,7 +3328,7 @@
           <a:p>
             <a:fld id="{06D2B188-86D3-414B-BB86-E6D1024CE684}" type="datetimeFigureOut">
               <a:rPr lang="pt-BR" smtClean="0"/>
-              <a:t>05/07/2016</a:t>
+              <a:t>25/11/2016</a:t>
             </a:fld>
             <a:endParaRPr lang="pt-BR"/>
           </a:p>
@@ -3672,7 +4109,7 @@
           <a:p>
             <a:fld id="{06D2B188-86D3-414B-BB86-E6D1024CE684}" type="datetimeFigureOut">
               <a:rPr lang="pt-BR" smtClean="0"/>
-              <a:t>05/07/2016</a:t>
+              <a:t>25/11/2016</a:t>
             </a:fld>
             <a:endParaRPr lang="pt-BR"/>
           </a:p>
@@ -4233,38 +4670,15 @@
           </a:p>
           <a:p>
             <a:r>
-              <a:rPr lang="pt-BR" sz="1800" dirty="0"/>
-              <a:t>8</a:t>
-            </a:r>
-            <a:r>
               <a:rPr lang="pt-BR" sz="1800" dirty="0" smtClean="0"/>
-              <a:t>º </a:t>
+              <a:t>Professores </a:t>
             </a:r>
             <a:r>
               <a:rPr lang="pt-BR" sz="1800" dirty="0" smtClean="0"/>
-              <a:t>Período – TCC -1</a:t>
-            </a:r>
-          </a:p>
-          <a:p>
-            <a:r>
-              <a:rPr lang="pt-BR" sz="1800" dirty="0" smtClean="0"/>
-              <a:t>Professores da Banca:</a:t>
-            </a:r>
-          </a:p>
-          <a:p>
-            <a:r>
-              <a:rPr lang="pt-BR" sz="1800" dirty="0" err="1" smtClean="0">
-                <a:solidFill>
-                  <a:schemeClr val="tx1">
-                    <a:lumMod val="95000"/>
-                    <a:lumOff val="5000"/>
-                  </a:schemeClr>
-                </a:solidFill>
-                <a:latin typeface="Segoe UI" panose="020B0502040204020203" pitchFamily="34" charset="0"/>
-                <a:cs typeface="Segoe UI" panose="020B0502040204020203" pitchFamily="34" charset="0"/>
-              </a:rPr>
-              <a:t>Ancelmo</a:t>
-            </a:r>
+              <a:t>da Banca:</a:t>
+            </a:r>
+          </a:p>
+          <a:p>
             <a:r>
               <a:rPr lang="pt-BR" sz="1800" dirty="0" smtClean="0">
                 <a:solidFill>
@@ -4289,7 +4703,7 @@
                 <a:latin typeface="Segoe UI" panose="020B0502040204020203" pitchFamily="34" charset="0"/>
                 <a:cs typeface="Segoe UI" panose="020B0502040204020203" pitchFamily="34" charset="0"/>
               </a:rPr>
-              <a:t>Luiz Evangelista dos Santos, Edilson Vasconcelos, Vivaldo Pinto </a:t>
+              <a:t>Vivaldo Pinto </a:t>
             </a:r>
             <a:endParaRPr lang="pt-BR" sz="1800" dirty="0"/>
           </a:p>
@@ -4526,8 +4940,8 @@
           <a:lstStyle/>
           <a:p>
             <a:r>
-              <a:rPr lang="pt-BR" dirty="0" smtClean="0"/>
-              <a:t>SPTD</a:t>
+              <a:rPr lang="en-US" dirty="0" smtClean="0"/>
+              <a:t>SISPTD</a:t>
             </a:r>
             <a:endParaRPr lang="pt-BR" dirty="0"/>
           </a:p>
@@ -4543,16 +4957,28 @@
             <p:ph type="subTitle" idx="1"/>
           </p:nvPr>
         </p:nvSpPr>
-        <p:spPr/>
-        <p:txBody>
-          <a:bodyPr/>
+        <p:spPr>
+          <a:xfrm>
+            <a:off x="971600" y="2060848"/>
+            <a:ext cx="7704856" cy="1290904"/>
+          </a:xfrm>
+        </p:spPr>
+        <p:txBody>
+          <a:bodyPr>
+            <a:noAutofit/>
+          </a:bodyPr>
           <a:lstStyle/>
           <a:p>
-            <a:r>
-              <a:rPr lang="pt-BR" dirty="0" smtClean="0"/>
-              <a:t>Sistema de Paciente no Tratamento fora Domiciliar</a:t>
-            </a:r>
-            <a:endParaRPr lang="pt-BR" dirty="0"/>
+            <a:pPr algn="ctr"/>
+            <a:r>
+              <a:rPr lang="pt-BR" sz="3200" dirty="0" smtClean="0"/>
+              <a:t>Sistema de Informação </a:t>
+            </a:r>
+            <a:r>
+              <a:rPr lang="pt-BR" sz="3200" dirty="0" smtClean="0"/>
+              <a:t>de Paciente no Tratamento fora Domiciliar</a:t>
+            </a:r>
+            <a:endParaRPr lang="pt-BR" sz="3200" dirty="0"/>
           </a:p>
         </p:txBody>
       </p:sp>
@@ -4603,7 +5029,12 @@
             <p:ph type="title"/>
           </p:nvPr>
         </p:nvSpPr>
-        <p:spPr/>
+        <p:spPr>
+          <a:xfrm>
+            <a:off x="1043608" y="274638"/>
+            <a:ext cx="7890080" cy="1143000"/>
+          </a:xfrm>
+        </p:spPr>
         <p:txBody>
           <a:bodyPr/>
           <a:lstStyle/>
@@ -5082,14 +5513,20 @@
           </a:xfrm>
         </p:spPr>
         <p:txBody>
-          <a:bodyPr/>
+          <a:bodyPr>
+            <a:noAutofit/>
+          </a:bodyPr>
           <a:lstStyle/>
           <a:p>
             <a:r>
-              <a:rPr lang="pt-BR" dirty="0" smtClean="0"/>
-              <a:t>Diagrama de Sequencia</a:t>
-            </a:r>
-            <a:endParaRPr lang="pt-BR" dirty="0"/>
+              <a:rPr lang="pt-BR" sz="2800" dirty="0" smtClean="0"/>
+              <a:t>Diagrama de </a:t>
+            </a:r>
+            <a:r>
+              <a:rPr lang="pt-BR" sz="2800" dirty="0" smtClean="0"/>
+              <a:t>Sequencia Requisição de Viagem</a:t>
+            </a:r>
+            <a:endParaRPr lang="pt-BR" sz="2800" dirty="0"/>
           </a:p>
         </p:txBody>
       </p:sp>
@@ -5117,8 +5554,8 @@
         </p:blipFill>
         <p:spPr>
           <a:xfrm>
-            <a:off x="1187624" y="1268760"/>
-            <a:ext cx="7560840" cy="5112568"/>
+            <a:off x="1115616" y="980728"/>
+            <a:ext cx="7632848" cy="5400600"/>
           </a:xfrm>
         </p:spPr>
       </p:pic>
@@ -5169,16 +5606,23 @@
             <p:ph type="title"/>
           </p:nvPr>
         </p:nvSpPr>
-        <p:spPr/>
-        <p:txBody>
-          <a:bodyPr/>
+        <p:spPr>
+          <a:xfrm>
+            <a:off x="1043608" y="27459"/>
+            <a:ext cx="7498080" cy="809253"/>
+          </a:xfrm>
+        </p:spPr>
+        <p:txBody>
+          <a:bodyPr>
+            <a:normAutofit/>
+          </a:bodyPr>
           <a:lstStyle/>
           <a:p>
             <a:r>
-              <a:rPr lang="pt-BR" dirty="0" smtClean="0"/>
+              <a:rPr lang="pt-BR" sz="2800" dirty="0" smtClean="0"/>
               <a:t>Diagrama de Classe Conceitual</a:t>
             </a:r>
-            <a:endParaRPr lang="pt-BR" dirty="0"/>
+            <a:endParaRPr lang="pt-BR" sz="2800" dirty="0"/>
           </a:p>
         </p:txBody>
       </p:sp>
@@ -5206,8 +5650,8 @@
         </p:blipFill>
         <p:spPr>
           <a:xfrm>
-            <a:off x="1187624" y="1340768"/>
-            <a:ext cx="7776864" cy="5184576"/>
+            <a:off x="1043608" y="692696"/>
+            <a:ext cx="7920880" cy="5616347"/>
           </a:xfrm>
         </p:spPr>
       </p:pic>
@@ -5554,4 +5998,289 @@
   <a:objectDefaults/>
   <a:extraClrSchemeLst/>
 </a:theme>
+</file>
+
+<file path=ppt/theme/theme2.xml><?xml version="1.0" encoding="utf-8"?>
+<a:theme xmlns:a="http://schemas.openxmlformats.org/drawingml/2006/main" name="Tema do Office">
+  <a:themeElements>
+    <a:clrScheme name="Escritório">
+      <a:dk1>
+        <a:sysClr val="windowText" lastClr="000000"/>
+      </a:dk1>
+      <a:lt1>
+        <a:sysClr val="window" lastClr="FFFFFF"/>
+      </a:lt1>
+      <a:dk2>
+        <a:srgbClr val="1F497D"/>
+      </a:dk2>
+      <a:lt2>
+        <a:srgbClr val="EEECE1"/>
+      </a:lt2>
+      <a:accent1>
+        <a:srgbClr val="4F81BD"/>
+      </a:accent1>
+      <a:accent2>
+        <a:srgbClr val="C0504D"/>
+      </a:accent2>
+      <a:accent3>
+        <a:srgbClr val="9BBB59"/>
+      </a:accent3>
+      <a:accent4>
+        <a:srgbClr val="8064A2"/>
+      </a:accent4>
+      <a:accent5>
+        <a:srgbClr val="4BACC6"/>
+      </a:accent5>
+      <a:accent6>
+        <a:srgbClr val="F79646"/>
+      </a:accent6>
+      <a:hlink>
+        <a:srgbClr val="0000FF"/>
+      </a:hlink>
+      <a:folHlink>
+        <a:srgbClr val="800080"/>
+      </a:folHlink>
+    </a:clrScheme>
+    <a:fontScheme name="Escritório">
+      <a:majorFont>
+        <a:latin typeface="Calibri"/>
+        <a:ea typeface=""/>
+        <a:cs typeface=""/>
+        <a:font script="Jpan" typeface="ＭＳ Ｐゴシック"/>
+        <a:font script="Hang" typeface="맑은 고딕"/>
+        <a:font script="Hans" typeface="宋体"/>
+        <a:font script="Hant" typeface="新細明體"/>
+        <a:font script="Arab" typeface="Times New Roman"/>
+        <a:font script="Hebr" typeface="Times New Roman"/>
+        <a:font script="Thai" typeface="Angsana New"/>
+        <a:font script="Ethi" typeface="Nyala"/>
+        <a:font script="Beng" typeface="Vrinda"/>
+        <a:font script="Gujr" typeface="Shruti"/>
+        <a:font script="Khmr" typeface="MoolBoran"/>
+        <a:font script="Knda" typeface="Tunga"/>
+        <a:font script="Guru" typeface="Raavi"/>
+        <a:font script="Cans" typeface="Euphemia"/>
+        <a:font script="Cher" typeface="Plantagenet Cherokee"/>
+        <a:font script="Yiii" typeface="Microsoft Yi Baiti"/>
+        <a:font script="Tibt" typeface="Microsoft Himalaya"/>
+        <a:font script="Thaa" typeface="MV Boli"/>
+        <a:font script="Deva" typeface="Mangal"/>
+        <a:font script="Telu" typeface="Gautami"/>
+        <a:font script="Taml" typeface="Latha"/>
+        <a:font script="Syrc" typeface="Estrangelo Edessa"/>
+        <a:font script="Orya" typeface="Kalinga"/>
+        <a:font script="Mlym" typeface="Kartika"/>
+        <a:font script="Laoo" typeface="DokChampa"/>
+        <a:font script="Sinh" typeface="Iskoola Pota"/>
+        <a:font script="Mong" typeface="Mongolian Baiti"/>
+        <a:font script="Viet" typeface="Times New Roman"/>
+        <a:font script="Uigh" typeface="Microsoft Uighur"/>
+        <a:font script="Geor" typeface="Sylfaen"/>
+      </a:majorFont>
+      <a:minorFont>
+        <a:latin typeface="Calibri"/>
+        <a:ea typeface=""/>
+        <a:cs typeface=""/>
+        <a:font script="Jpan" typeface="ＭＳ Ｐゴシック"/>
+        <a:font script="Hang" typeface="맑은 고딕"/>
+        <a:font script="Hans" typeface="宋体"/>
+        <a:font script="Hant" typeface="新細明體"/>
+        <a:font script="Arab" typeface="Arial"/>
+        <a:font script="Hebr" typeface="Arial"/>
+        <a:font script="Thai" typeface="Cordia New"/>
+        <a:font script="Ethi" typeface="Nyala"/>
+        <a:font script="Beng" typeface="Vrinda"/>
+        <a:font script="Gujr" typeface="Shruti"/>
+        <a:font script="Khmr" typeface="DaunPenh"/>
+        <a:font script="Knda" typeface="Tunga"/>
+        <a:font script="Guru" typeface="Raavi"/>
+        <a:font script="Cans" typeface="Euphemia"/>
+        <a:font script="Cher" typeface="Plantagenet Cherokee"/>
+        <a:font script="Yiii" typeface="Microsoft Yi Baiti"/>
+        <a:font script="Tibt" typeface="Microsoft Himalaya"/>
+        <a:font script="Thaa" typeface="MV Boli"/>
+        <a:font script="Deva" typeface="Mangal"/>
+        <a:font script="Telu" typeface="Gautami"/>
+        <a:font script="Taml" typeface="Latha"/>
+        <a:font script="Syrc" typeface="Estrangelo Edessa"/>
+        <a:font script="Orya" typeface="Kalinga"/>
+        <a:font script="Mlym" typeface="Kartika"/>
+        <a:font script="Laoo" typeface="DokChampa"/>
+        <a:font script="Sinh" typeface="Iskoola Pota"/>
+        <a:font script="Mong" typeface="Mongolian Baiti"/>
+        <a:font script="Viet" typeface="Arial"/>
+        <a:font script="Uigh" typeface="Microsoft Uighur"/>
+        <a:font script="Geor" typeface="Sylfaen"/>
+      </a:minorFont>
+    </a:fontScheme>
+    <a:fmtScheme name="Escritório">
+      <a:fillStyleLst>
+        <a:solidFill>
+          <a:schemeClr val="phClr"/>
+        </a:solidFill>
+        <a:gradFill rotWithShape="1">
+          <a:gsLst>
+            <a:gs pos="0">
+              <a:schemeClr val="phClr">
+                <a:tint val="50000"/>
+                <a:satMod val="300000"/>
+              </a:schemeClr>
+            </a:gs>
+            <a:gs pos="35000">
+              <a:schemeClr val="phClr">
+                <a:tint val="37000"/>
+                <a:satMod val="300000"/>
+              </a:schemeClr>
+            </a:gs>
+            <a:gs pos="100000">
+              <a:schemeClr val="phClr">
+                <a:tint val="15000"/>
+                <a:satMod val="350000"/>
+              </a:schemeClr>
+            </a:gs>
+          </a:gsLst>
+          <a:lin ang="16200000" scaled="1"/>
+        </a:gradFill>
+        <a:gradFill rotWithShape="1">
+          <a:gsLst>
+            <a:gs pos="0">
+              <a:schemeClr val="phClr">
+                <a:shade val="51000"/>
+                <a:satMod val="130000"/>
+              </a:schemeClr>
+            </a:gs>
+            <a:gs pos="80000">
+              <a:schemeClr val="phClr">
+                <a:shade val="93000"/>
+                <a:satMod val="130000"/>
+              </a:schemeClr>
+            </a:gs>
+            <a:gs pos="100000">
+              <a:schemeClr val="phClr">
+                <a:shade val="94000"/>
+                <a:satMod val="135000"/>
+              </a:schemeClr>
+            </a:gs>
+          </a:gsLst>
+          <a:lin ang="16200000" scaled="0"/>
+        </a:gradFill>
+      </a:fillStyleLst>
+      <a:lnStyleLst>
+        <a:ln w="9525" cap="flat" cmpd="sng" algn="ctr">
+          <a:solidFill>
+            <a:schemeClr val="phClr">
+              <a:shade val="95000"/>
+              <a:satMod val="105000"/>
+            </a:schemeClr>
+          </a:solidFill>
+          <a:prstDash val="solid"/>
+        </a:ln>
+        <a:ln w="25400" cap="flat" cmpd="sng" algn="ctr">
+          <a:solidFill>
+            <a:schemeClr val="phClr"/>
+          </a:solidFill>
+          <a:prstDash val="solid"/>
+        </a:ln>
+        <a:ln w="38100" cap="flat" cmpd="sng" algn="ctr">
+          <a:solidFill>
+            <a:schemeClr val="phClr"/>
+          </a:solidFill>
+          <a:prstDash val="solid"/>
+        </a:ln>
+      </a:lnStyleLst>
+      <a:effectStyleLst>
+        <a:effectStyle>
+          <a:effectLst>
+            <a:outerShdw blurRad="40000" dist="20000" dir="5400000" rotWithShape="0">
+              <a:srgbClr val="000000">
+                <a:alpha val="38000"/>
+              </a:srgbClr>
+            </a:outerShdw>
+          </a:effectLst>
+        </a:effectStyle>
+        <a:effectStyle>
+          <a:effectLst>
+            <a:outerShdw blurRad="40000" dist="23000" dir="5400000" rotWithShape="0">
+              <a:srgbClr val="000000">
+                <a:alpha val="35000"/>
+              </a:srgbClr>
+            </a:outerShdw>
+          </a:effectLst>
+        </a:effectStyle>
+        <a:effectStyle>
+          <a:effectLst>
+            <a:outerShdw blurRad="40000" dist="23000" dir="5400000" rotWithShape="0">
+              <a:srgbClr val="000000">
+                <a:alpha val="35000"/>
+              </a:srgbClr>
+            </a:outerShdw>
+          </a:effectLst>
+          <a:scene3d>
+            <a:camera prst="orthographicFront">
+              <a:rot lat="0" lon="0" rev="0"/>
+            </a:camera>
+            <a:lightRig rig="threePt" dir="t">
+              <a:rot lat="0" lon="0" rev="1200000"/>
+            </a:lightRig>
+          </a:scene3d>
+          <a:sp3d>
+            <a:bevelT w="63500" h="25400"/>
+          </a:sp3d>
+        </a:effectStyle>
+      </a:effectStyleLst>
+      <a:bgFillStyleLst>
+        <a:solidFill>
+          <a:schemeClr val="phClr"/>
+        </a:solidFill>
+        <a:gradFill rotWithShape="1">
+          <a:gsLst>
+            <a:gs pos="0">
+              <a:schemeClr val="phClr">
+                <a:tint val="40000"/>
+                <a:satMod val="350000"/>
+              </a:schemeClr>
+            </a:gs>
+            <a:gs pos="40000">
+              <a:schemeClr val="phClr">
+                <a:tint val="45000"/>
+                <a:shade val="99000"/>
+                <a:satMod val="350000"/>
+              </a:schemeClr>
+            </a:gs>
+            <a:gs pos="100000">
+              <a:schemeClr val="phClr">
+                <a:shade val="20000"/>
+                <a:satMod val="255000"/>
+              </a:schemeClr>
+            </a:gs>
+          </a:gsLst>
+          <a:path path="circle">
+            <a:fillToRect l="50000" t="-80000" r="50000" b="180000"/>
+          </a:path>
+        </a:gradFill>
+        <a:gradFill rotWithShape="1">
+          <a:gsLst>
+            <a:gs pos="0">
+              <a:schemeClr val="phClr">
+                <a:tint val="80000"/>
+                <a:satMod val="300000"/>
+              </a:schemeClr>
+            </a:gs>
+            <a:gs pos="100000">
+              <a:schemeClr val="phClr">
+                <a:shade val="30000"/>
+                <a:satMod val="200000"/>
+              </a:schemeClr>
+            </a:gs>
+          </a:gsLst>
+          <a:path path="circle">
+            <a:fillToRect l="50000" t="50000" r="50000" b="50000"/>
+          </a:path>
+        </a:gradFill>
+      </a:bgFillStyleLst>
+    </a:fmtScheme>
+  </a:themeElements>
+  <a:objectDefaults/>
+  <a:extraClrSchemeLst/>
+</a:theme>
 </file>
--- a/Apresentação TCC1 Paulo.pptx
+++ b/Apresentação TCC1 Paulo.pptx
@@ -1,33 +1,34 @@
 
 <file path=ppt/presentation.xml><?xml version="1.0" encoding="utf-8"?>
-<p:presentation xmlns:a="http://schemas.openxmlformats.org/drawingml/2006/main" xmlns:r="http://schemas.openxmlformats.org/officeDocument/2006/relationships" xmlns:p="http://schemas.openxmlformats.org/presentationml/2006/main" saveSubsetFonts="1">
+<p:presentation xmlns:a="http://schemas.openxmlformats.org/drawingml/2006/main" xmlns:r="http://schemas.openxmlformats.org/officeDocument/2006/relationships" xmlns:p="http://schemas.openxmlformats.org/presentationml/2006/main" firstSlideNum="2" saveSubsetFonts="1">
   <p:sldMasterIdLst>
     <p:sldMasterId id="2147483672" r:id="rId1"/>
   </p:sldMasterIdLst>
   <p:notesMasterIdLst>
-    <p:notesMasterId r:id="rId13"/>
+    <p:notesMasterId r:id="rId14"/>
   </p:notesMasterIdLst>
   <p:sldIdLst>
     <p:sldId id="256" r:id="rId2"/>
     <p:sldId id="258" r:id="rId3"/>
     <p:sldId id="257" r:id="rId4"/>
-    <p:sldId id="259" r:id="rId5"/>
-    <p:sldId id="260" r:id="rId6"/>
+    <p:sldId id="260" r:id="rId5"/>
+    <p:sldId id="259" r:id="rId6"/>
     <p:sldId id="261" r:id="rId7"/>
     <p:sldId id="263" r:id="rId8"/>
     <p:sldId id="262" r:id="rId9"/>
     <p:sldId id="264" r:id="rId10"/>
-    <p:sldId id="265" r:id="rId11"/>
-    <p:sldId id="266" r:id="rId12"/>
+    <p:sldId id="268" r:id="rId11"/>
+    <p:sldId id="269" r:id="rId12"/>
+    <p:sldId id="266" r:id="rId13"/>
   </p:sldIdLst>
   <p:sldSz cx="9144000" cy="6858000" type="screen4x3"/>
-  <p:notesSz cx="6858000" cy="9144000"/>
+  <p:notesSz cx="9144000" cy="6858000"/>
   <p:defaultTextStyle>
     <a:defPPr>
       <a:defRPr lang="pt-BR"/>
     </a:defPPr>
-    <a:lvl1pPr marL="0" algn="l" defTabSz="914400" rtl="0" eaLnBrk="1" latinLnBrk="0" hangingPunct="1">
-      <a:defRPr sz="1800" kern="1200">
+    <a:lvl1pPr marL="0" algn="l" defTabSz="1040313" rtl="0" eaLnBrk="1" latinLnBrk="0" hangingPunct="1">
+      <a:defRPr sz="2000" kern="1200">
         <a:solidFill>
           <a:schemeClr val="tx1"/>
         </a:solidFill>
@@ -36,8 +37,8 @@
         <a:cs typeface="+mn-cs"/>
       </a:defRPr>
     </a:lvl1pPr>
-    <a:lvl2pPr marL="457200" algn="l" defTabSz="914400" rtl="0" eaLnBrk="1" latinLnBrk="0" hangingPunct="1">
-      <a:defRPr sz="1800" kern="1200">
+    <a:lvl2pPr marL="520156" algn="l" defTabSz="1040313" rtl="0" eaLnBrk="1" latinLnBrk="0" hangingPunct="1">
+      <a:defRPr sz="2000" kern="1200">
         <a:solidFill>
           <a:schemeClr val="tx1"/>
         </a:solidFill>
@@ -46,8 +47,8 @@
         <a:cs typeface="+mn-cs"/>
       </a:defRPr>
     </a:lvl2pPr>
-    <a:lvl3pPr marL="914400" algn="l" defTabSz="914400" rtl="0" eaLnBrk="1" latinLnBrk="0" hangingPunct="1">
-      <a:defRPr sz="1800" kern="1200">
+    <a:lvl3pPr marL="1040313" algn="l" defTabSz="1040313" rtl="0" eaLnBrk="1" latinLnBrk="0" hangingPunct="1">
+      <a:defRPr sz="2000" kern="1200">
         <a:solidFill>
           <a:schemeClr val="tx1"/>
         </a:solidFill>
@@ -56,8 +57,8 @@
         <a:cs typeface="+mn-cs"/>
       </a:defRPr>
     </a:lvl3pPr>
-    <a:lvl4pPr marL="1371600" algn="l" defTabSz="914400" rtl="0" eaLnBrk="1" latinLnBrk="0" hangingPunct="1">
-      <a:defRPr sz="1800" kern="1200">
+    <a:lvl4pPr marL="1560469" algn="l" defTabSz="1040313" rtl="0" eaLnBrk="1" latinLnBrk="0" hangingPunct="1">
+      <a:defRPr sz="2000" kern="1200">
         <a:solidFill>
           <a:schemeClr val="tx1"/>
         </a:solidFill>
@@ -66,8 +67,8 @@
         <a:cs typeface="+mn-cs"/>
       </a:defRPr>
     </a:lvl4pPr>
-    <a:lvl5pPr marL="1828800" algn="l" defTabSz="914400" rtl="0" eaLnBrk="1" latinLnBrk="0" hangingPunct="1">
-      <a:defRPr sz="1800" kern="1200">
+    <a:lvl5pPr marL="2080626" algn="l" defTabSz="1040313" rtl="0" eaLnBrk="1" latinLnBrk="0" hangingPunct="1">
+      <a:defRPr sz="2000" kern="1200">
         <a:solidFill>
           <a:schemeClr val="tx1"/>
         </a:solidFill>
@@ -76,8 +77,8 @@
         <a:cs typeface="+mn-cs"/>
       </a:defRPr>
     </a:lvl5pPr>
-    <a:lvl6pPr marL="2286000" algn="l" defTabSz="914400" rtl="0" eaLnBrk="1" latinLnBrk="0" hangingPunct="1">
-      <a:defRPr sz="1800" kern="1200">
+    <a:lvl6pPr marL="2600782" algn="l" defTabSz="1040313" rtl="0" eaLnBrk="1" latinLnBrk="0" hangingPunct="1">
+      <a:defRPr sz="2000" kern="1200">
         <a:solidFill>
           <a:schemeClr val="tx1"/>
         </a:solidFill>
@@ -86,8 +87,8 @@
         <a:cs typeface="+mn-cs"/>
       </a:defRPr>
     </a:lvl6pPr>
-    <a:lvl7pPr marL="2743200" algn="l" defTabSz="914400" rtl="0" eaLnBrk="1" latinLnBrk="0" hangingPunct="1">
-      <a:defRPr sz="1800" kern="1200">
+    <a:lvl7pPr marL="3120939" algn="l" defTabSz="1040313" rtl="0" eaLnBrk="1" latinLnBrk="0" hangingPunct="1">
+      <a:defRPr sz="2000" kern="1200">
         <a:solidFill>
           <a:schemeClr val="tx1"/>
         </a:solidFill>
@@ -96,8 +97,8 @@
         <a:cs typeface="+mn-cs"/>
       </a:defRPr>
     </a:lvl7pPr>
-    <a:lvl8pPr marL="3200400" algn="l" defTabSz="914400" rtl="0" eaLnBrk="1" latinLnBrk="0" hangingPunct="1">
-      <a:defRPr sz="1800" kern="1200">
+    <a:lvl8pPr marL="3641095" algn="l" defTabSz="1040313" rtl="0" eaLnBrk="1" latinLnBrk="0" hangingPunct="1">
+      <a:defRPr sz="2000" kern="1200">
         <a:solidFill>
           <a:schemeClr val="tx1"/>
         </a:solidFill>
@@ -106,8 +107,8 @@
         <a:cs typeface="+mn-cs"/>
       </a:defRPr>
     </a:lvl8pPr>
-    <a:lvl9pPr marL="3657600" algn="l" defTabSz="914400" rtl="0" eaLnBrk="1" latinLnBrk="0" hangingPunct="1">
-      <a:defRPr sz="1800" kern="1200">
+    <a:lvl9pPr marL="4161252" algn="l" defTabSz="1040313" rtl="0" eaLnBrk="1" latinLnBrk="0" hangingPunct="1">
+      <a:defRPr sz="2000" kern="1200">
         <a:solidFill>
           <a:schemeClr val="tx1"/>
         </a:solidFill>
@@ -118,8 +119,28 @@
     </a:lvl9pPr>
   </p:defaultTextStyle>
   <p:extLst>
+    <p:ext uri="{521415D9-36F7-43E2-AB2F-B90AF26B5E84}">
+      <p14:sectionLst xmlns:p14="http://schemas.microsoft.com/office/powerpoint/2010/main">
+        <p14:section name="Seção Padrão" id="{5EBFE3C8-7873-4985-ADE5-C9219645807B}">
+          <p14:sldIdLst>
+            <p14:sldId id="256"/>
+            <p14:sldId id="258"/>
+            <p14:sldId id="257"/>
+            <p14:sldId id="260"/>
+            <p14:sldId id="259"/>
+            <p14:sldId id="261"/>
+            <p14:sldId id="263"/>
+            <p14:sldId id="262"/>
+            <p14:sldId id="264"/>
+            <p14:sldId id="268"/>
+            <p14:sldId id="269"/>
+            <p14:sldId id="266"/>
+          </p14:sldIdLst>
+        </p14:section>
+      </p14:sectionLst>
+    </p:ext>
     <p:ext uri="{EFAFB233-063F-42B5-8137-9DF3F51BA10A}">
-      <p15:sldGuideLst xmlns:p15="http://schemas.microsoft.com/office/powerpoint/2012/main" xmlns="">
+      <p15:sldGuideLst xmlns="" xmlns:p15="http://schemas.microsoft.com/office/powerpoint/2012/main">
         <p15:guide id="1" orient="horz" pos="2160">
           <p15:clr>
             <a:srgbClr val="A4A3A4"/>
@@ -171,7 +192,7 @@
         <p:spPr>
           <a:xfrm>
             <a:off x="0" y="0"/>
-            <a:ext cx="2971800" cy="457200"/>
+            <a:ext cx="3962400" cy="342900"/>
           </a:xfrm>
           <a:prstGeom prst="rect">
             <a:avLst/>
@@ -201,8 +222,8 @@
         </p:nvSpPr>
         <p:spPr>
           <a:xfrm>
-            <a:off x="3884613" y="0"/>
-            <a:ext cx="2971800" cy="457200"/>
+            <a:off x="5179484" y="0"/>
+            <a:ext cx="3962400" cy="342900"/>
           </a:xfrm>
           <a:prstGeom prst="rect">
             <a:avLst/>
@@ -218,7 +239,7 @@
           <a:p>
             <a:fld id="{9989CECE-F34A-4DE1-9A7F-F1C960912CD7}" type="datetimeFigureOut">
               <a:rPr lang="pt-BR" smtClean="0"/>
-              <a:t>25/11/2016</a:t>
+              <a:t>28/11/2016</a:t>
             </a:fld>
             <a:endParaRPr lang="pt-BR"/>
           </a:p>
@@ -236,8 +257,8 @@
         </p:nvSpPr>
         <p:spPr>
           <a:xfrm>
-            <a:off x="1143000" y="685800"/>
-            <a:ext cx="4572000" cy="3429000"/>
+            <a:off x="2857500" y="514350"/>
+            <a:ext cx="3429000" cy="2571750"/>
           </a:xfrm>
           <a:prstGeom prst="rect">
             <a:avLst/>
@@ -269,8 +290,8 @@
         </p:nvSpPr>
         <p:spPr>
           <a:xfrm>
-            <a:off x="685800" y="4343400"/>
-            <a:ext cx="5486400" cy="4114800"/>
+            <a:off x="914400" y="3257550"/>
+            <a:ext cx="7315200" cy="3086100"/>
           </a:xfrm>
           <a:prstGeom prst="rect">
             <a:avLst/>
@@ -329,8 +350,8 @@
         </p:nvSpPr>
         <p:spPr>
           <a:xfrm>
-            <a:off x="0" y="8685213"/>
-            <a:ext cx="2971800" cy="457200"/>
+            <a:off x="0" y="6513910"/>
+            <a:ext cx="3962400" cy="342900"/>
           </a:xfrm>
           <a:prstGeom prst="rect">
             <a:avLst/>
@@ -360,8 +381,8 @@
         </p:nvSpPr>
         <p:spPr>
           <a:xfrm>
-            <a:off x="3884613" y="8685213"/>
-            <a:ext cx="2971800" cy="457200"/>
+            <a:off x="5179484" y="6513910"/>
+            <a:ext cx="3962400" cy="342900"/>
           </a:xfrm>
           <a:prstGeom prst="rect">
             <a:avLst/>
@@ -392,8 +413,8 @@
   </p:cSld>
   <p:clrMap bg1="lt1" tx1="dk1" bg2="lt2" tx2="dk2" accent1="accent1" accent2="accent2" accent3="accent3" accent4="accent4" accent5="accent5" accent6="accent6" hlink="hlink" folHlink="folHlink"/>
   <p:notesStyle>
-    <a:lvl1pPr marL="0" algn="l" defTabSz="914400" rtl="0" eaLnBrk="1" latinLnBrk="0" hangingPunct="1">
-      <a:defRPr sz="1200" kern="1200">
+    <a:lvl1pPr marL="0" algn="l" defTabSz="1040313" rtl="0" eaLnBrk="1" latinLnBrk="0" hangingPunct="1">
+      <a:defRPr sz="1400" kern="1200">
         <a:solidFill>
           <a:schemeClr val="tx1"/>
         </a:solidFill>
@@ -402,8 +423,8 @@
         <a:cs typeface="+mn-cs"/>
       </a:defRPr>
     </a:lvl1pPr>
-    <a:lvl2pPr marL="457200" algn="l" defTabSz="914400" rtl="0" eaLnBrk="1" latinLnBrk="0" hangingPunct="1">
-      <a:defRPr sz="1200" kern="1200">
+    <a:lvl2pPr marL="520156" algn="l" defTabSz="1040313" rtl="0" eaLnBrk="1" latinLnBrk="0" hangingPunct="1">
+      <a:defRPr sz="1400" kern="1200">
         <a:solidFill>
           <a:schemeClr val="tx1"/>
         </a:solidFill>
@@ -412,8 +433,8 @@
         <a:cs typeface="+mn-cs"/>
       </a:defRPr>
     </a:lvl2pPr>
-    <a:lvl3pPr marL="914400" algn="l" defTabSz="914400" rtl="0" eaLnBrk="1" latinLnBrk="0" hangingPunct="1">
-      <a:defRPr sz="1200" kern="1200">
+    <a:lvl3pPr marL="1040313" algn="l" defTabSz="1040313" rtl="0" eaLnBrk="1" latinLnBrk="0" hangingPunct="1">
+      <a:defRPr sz="1400" kern="1200">
         <a:solidFill>
           <a:schemeClr val="tx1"/>
         </a:solidFill>
@@ -422,8 +443,8 @@
         <a:cs typeface="+mn-cs"/>
       </a:defRPr>
     </a:lvl3pPr>
-    <a:lvl4pPr marL="1371600" algn="l" defTabSz="914400" rtl="0" eaLnBrk="1" latinLnBrk="0" hangingPunct="1">
-      <a:defRPr sz="1200" kern="1200">
+    <a:lvl4pPr marL="1560469" algn="l" defTabSz="1040313" rtl="0" eaLnBrk="1" latinLnBrk="0" hangingPunct="1">
+      <a:defRPr sz="1400" kern="1200">
         <a:solidFill>
           <a:schemeClr val="tx1"/>
         </a:solidFill>
@@ -432,8 +453,8 @@
         <a:cs typeface="+mn-cs"/>
       </a:defRPr>
     </a:lvl4pPr>
-    <a:lvl5pPr marL="1828800" algn="l" defTabSz="914400" rtl="0" eaLnBrk="1" latinLnBrk="0" hangingPunct="1">
-      <a:defRPr sz="1200" kern="1200">
+    <a:lvl5pPr marL="2080626" algn="l" defTabSz="1040313" rtl="0" eaLnBrk="1" latinLnBrk="0" hangingPunct="1">
+      <a:defRPr sz="1400" kern="1200">
         <a:solidFill>
           <a:schemeClr val="tx1"/>
         </a:solidFill>
@@ -442,8 +463,8 @@
         <a:cs typeface="+mn-cs"/>
       </a:defRPr>
     </a:lvl5pPr>
-    <a:lvl6pPr marL="2286000" algn="l" defTabSz="914400" rtl="0" eaLnBrk="1" latinLnBrk="0" hangingPunct="1">
-      <a:defRPr sz="1200" kern="1200">
+    <a:lvl6pPr marL="2600782" algn="l" defTabSz="1040313" rtl="0" eaLnBrk="1" latinLnBrk="0" hangingPunct="1">
+      <a:defRPr sz="1400" kern="1200">
         <a:solidFill>
           <a:schemeClr val="tx1"/>
         </a:solidFill>
@@ -452,8 +473,8 @@
         <a:cs typeface="+mn-cs"/>
       </a:defRPr>
     </a:lvl6pPr>
-    <a:lvl7pPr marL="2743200" algn="l" defTabSz="914400" rtl="0" eaLnBrk="1" latinLnBrk="0" hangingPunct="1">
-      <a:defRPr sz="1200" kern="1200">
+    <a:lvl7pPr marL="3120939" algn="l" defTabSz="1040313" rtl="0" eaLnBrk="1" latinLnBrk="0" hangingPunct="1">
+      <a:defRPr sz="1400" kern="1200">
         <a:solidFill>
           <a:schemeClr val="tx1"/>
         </a:solidFill>
@@ -462,8 +483,8 @@
         <a:cs typeface="+mn-cs"/>
       </a:defRPr>
     </a:lvl7pPr>
-    <a:lvl8pPr marL="3200400" algn="l" defTabSz="914400" rtl="0" eaLnBrk="1" latinLnBrk="0" hangingPunct="1">
-      <a:defRPr sz="1200" kern="1200">
+    <a:lvl8pPr marL="3641095" algn="l" defTabSz="1040313" rtl="0" eaLnBrk="1" latinLnBrk="0" hangingPunct="1">
+      <a:defRPr sz="1400" kern="1200">
         <a:solidFill>
           <a:schemeClr val="tx1"/>
         </a:solidFill>
@@ -472,8 +493,8 @@
         <a:cs typeface="+mn-cs"/>
       </a:defRPr>
     </a:lvl8pPr>
-    <a:lvl9pPr marL="3657600" algn="l" defTabSz="914400" rtl="0" eaLnBrk="1" latinLnBrk="0" hangingPunct="1">
-      <a:defRPr sz="1200" kern="1200">
+    <a:lvl9pPr marL="4161252" algn="l" defTabSz="1040313" rtl="0" eaLnBrk="1" latinLnBrk="0" hangingPunct="1">
+      <a:defRPr sz="1400" kern="1200">
         <a:solidFill>
           <a:schemeClr val="tx1"/>
         </a:solidFill>
@@ -513,7 +534,12 @@
             <p:ph type="sldImg"/>
           </p:nvPr>
         </p:nvSpPr>
-        <p:spPr/>
+        <p:spPr>
+          <a:xfrm>
+            <a:off x="2857500" y="514350"/>
+            <a:ext cx="3429000" cy="2571750"/>
+          </a:xfrm>
+        </p:spPr>
       </p:sp>
       <p:sp>
         <p:nvSpPr>
@@ -551,7 +577,7 @@
           <a:p>
             <a:fld id="{49BA7535-6145-460A-A3EA-4E128E2DC848}" type="slidenum">
               <a:rPr lang="pt-BR" smtClean="0"/>
-              <a:t>3</a:t>
+              <a:t>4</a:t>
             </a:fld>
             <a:endParaRPr lang="pt-BR"/>
           </a:p>
@@ -561,6 +587,184 @@
     <p:extLst>
       <p:ext uri="{BB962C8B-B14F-4D97-AF65-F5344CB8AC3E}">
         <p14:creationId xmlns:p14="http://schemas.microsoft.com/office/powerpoint/2010/main" val="2274133351"/>
+      </p:ext>
+    </p:extLst>
+  </p:cSld>
+  <p:clrMapOvr>
+    <a:masterClrMapping/>
+  </p:clrMapOvr>
+</p:notes>
+</file>
+
+<file path=ppt/notesSlides/notesSlide2.xml><?xml version="1.0" encoding="utf-8"?>
+<p:notes xmlns:a="http://schemas.openxmlformats.org/drawingml/2006/main" xmlns:r="http://schemas.openxmlformats.org/officeDocument/2006/relationships" xmlns:p="http://schemas.openxmlformats.org/presentationml/2006/main">
+  <p:cSld>
+    <p:spTree>
+      <p:nvGrpSpPr>
+        <p:cNvPr id="1" name=""/>
+        <p:cNvGrpSpPr/>
+        <p:nvPr/>
+      </p:nvGrpSpPr>
+      <p:grpSpPr>
+        <a:xfrm>
+          <a:off x="0" y="0"/>
+          <a:ext cx="0" cy="0"/>
+          <a:chOff x="0" y="0"/>
+          <a:chExt cx="0" cy="0"/>
+        </a:xfrm>
+      </p:grpSpPr>
+      <p:sp>
+        <p:nvSpPr>
+          <p:cNvPr id="2" name="Espaço Reservado para Imagem de Slide 1"/>
+          <p:cNvSpPr>
+            <a:spLocks noGrp="1" noRot="1" noChangeAspect="1"/>
+          </p:cNvSpPr>
+          <p:nvPr>
+            <p:ph type="sldImg"/>
+          </p:nvPr>
+        </p:nvSpPr>
+        <p:spPr>
+          <a:xfrm>
+            <a:off x="2857500" y="514350"/>
+            <a:ext cx="3429000" cy="2571750"/>
+          </a:xfrm>
+        </p:spPr>
+      </p:sp>
+      <p:sp>
+        <p:nvSpPr>
+          <p:cNvPr id="3" name="Espaço Reservado para Anotações 2"/>
+          <p:cNvSpPr>
+            <a:spLocks noGrp="1"/>
+          </p:cNvSpPr>
+          <p:nvPr>
+            <p:ph type="body" idx="1"/>
+          </p:nvPr>
+        </p:nvSpPr>
+        <p:spPr/>
+        <p:txBody>
+          <a:bodyPr/>
+          <a:lstStyle/>
+          <a:p>
+            <a:endParaRPr lang="pt-BR" dirty="0"/>
+          </a:p>
+        </p:txBody>
+      </p:sp>
+      <p:sp>
+        <p:nvSpPr>
+          <p:cNvPr id="4" name="Espaço Reservado para Número de Slide 3"/>
+          <p:cNvSpPr>
+            <a:spLocks noGrp="1"/>
+          </p:cNvSpPr>
+          <p:nvPr>
+            <p:ph type="sldNum" sz="quarter" idx="10"/>
+          </p:nvPr>
+        </p:nvSpPr>
+        <p:spPr/>
+        <p:txBody>
+          <a:bodyPr/>
+          <a:lstStyle/>
+          <a:p>
+            <a:fld id="{49BA7535-6145-460A-A3EA-4E128E2DC848}" type="slidenum">
+              <a:rPr lang="pt-BR" smtClean="0"/>
+              <a:t>11</a:t>
+            </a:fld>
+            <a:endParaRPr lang="pt-BR"/>
+          </a:p>
+        </p:txBody>
+      </p:sp>
+    </p:spTree>
+    <p:extLst>
+      <p:ext uri="{BB962C8B-B14F-4D97-AF65-F5344CB8AC3E}">
+        <p14:creationId xmlns:p14="http://schemas.microsoft.com/office/powerpoint/2010/main" val="1758179671"/>
+      </p:ext>
+    </p:extLst>
+  </p:cSld>
+  <p:clrMapOvr>
+    <a:masterClrMapping/>
+  </p:clrMapOvr>
+</p:notes>
+</file>
+
+<file path=ppt/notesSlides/notesSlide3.xml><?xml version="1.0" encoding="utf-8"?>
+<p:notes xmlns:a="http://schemas.openxmlformats.org/drawingml/2006/main" xmlns:r="http://schemas.openxmlformats.org/officeDocument/2006/relationships" xmlns:p="http://schemas.openxmlformats.org/presentationml/2006/main">
+  <p:cSld>
+    <p:spTree>
+      <p:nvGrpSpPr>
+        <p:cNvPr id="1" name=""/>
+        <p:cNvGrpSpPr/>
+        <p:nvPr/>
+      </p:nvGrpSpPr>
+      <p:grpSpPr>
+        <a:xfrm>
+          <a:off x="0" y="0"/>
+          <a:ext cx="0" cy="0"/>
+          <a:chOff x="0" y="0"/>
+          <a:chExt cx="0" cy="0"/>
+        </a:xfrm>
+      </p:grpSpPr>
+      <p:sp>
+        <p:nvSpPr>
+          <p:cNvPr id="2" name="Espaço Reservado para Imagem de Slide 1"/>
+          <p:cNvSpPr>
+            <a:spLocks noGrp="1" noRot="1" noChangeAspect="1"/>
+          </p:cNvSpPr>
+          <p:nvPr>
+            <p:ph type="sldImg"/>
+          </p:nvPr>
+        </p:nvSpPr>
+        <p:spPr>
+          <a:xfrm>
+            <a:off x="2857500" y="514350"/>
+            <a:ext cx="3429000" cy="2571750"/>
+          </a:xfrm>
+        </p:spPr>
+      </p:sp>
+      <p:sp>
+        <p:nvSpPr>
+          <p:cNvPr id="3" name="Espaço Reservado para Anotações 2"/>
+          <p:cNvSpPr>
+            <a:spLocks noGrp="1"/>
+          </p:cNvSpPr>
+          <p:nvPr>
+            <p:ph type="body" idx="1"/>
+          </p:nvPr>
+        </p:nvSpPr>
+        <p:spPr/>
+        <p:txBody>
+          <a:bodyPr/>
+          <a:lstStyle/>
+          <a:p>
+            <a:endParaRPr lang="pt-BR" dirty="0"/>
+          </a:p>
+        </p:txBody>
+      </p:sp>
+      <p:sp>
+        <p:nvSpPr>
+          <p:cNvPr id="4" name="Espaço Reservado para Número de Slide 3"/>
+          <p:cNvSpPr>
+            <a:spLocks noGrp="1"/>
+          </p:cNvSpPr>
+          <p:nvPr>
+            <p:ph type="sldNum" sz="quarter" idx="10"/>
+          </p:nvPr>
+        </p:nvSpPr>
+        <p:spPr/>
+        <p:txBody>
+          <a:bodyPr/>
+          <a:lstStyle/>
+          <a:p>
+            <a:fld id="{49BA7535-6145-460A-A3EA-4E128E2DC848}" type="slidenum">
+              <a:rPr lang="pt-BR" smtClean="0"/>
+              <a:t>13</a:t>
+            </a:fld>
+            <a:endParaRPr lang="pt-BR"/>
+          </a:p>
+        </p:txBody>
+      </p:sp>
+    </p:spTree>
+    <p:extLst>
+      <p:ext uri="{BB962C8B-B14F-4D97-AF65-F5344CB8AC3E}">
+        <p14:creationId xmlns:p14="http://schemas.microsoft.com/office/powerpoint/2010/main" val="1555685721"/>
       </p:ext>
     </p:extLst>
   </p:cSld>
@@ -599,7 +803,7 @@
         </p:nvSpPr>
         <p:spPr>
           <a:xfrm>
-            <a:off x="1432560" y="359898"/>
+            <a:off x="1432560" y="359897"/>
             <a:ext cx="7406640" cy="1472184"/>
           </a:xfrm>
         </p:spPr>
@@ -639,9 +843,9 @@
         <p:txBody>
           <a:bodyPr tIns="0"/>
           <a:lstStyle>
-            <a:lvl1pPr marL="27432" indent="0" algn="l">
+            <a:lvl1pPr marL="31209" indent="0" algn="l">
               <a:buNone/>
-              <a:defRPr sz="2600">
+              <a:defRPr sz="3000">
                 <a:solidFill>
                   <a:schemeClr val="tx2">
                     <a:shade val="30000"/>
@@ -650,28 +854,28 @@
                 </a:solidFill>
               </a:defRPr>
             </a:lvl1pPr>
-            <a:lvl2pPr marL="457200" indent="0" algn="ctr">
+            <a:lvl2pPr marL="520156" indent="0" algn="ctr">
               <a:buNone/>
             </a:lvl2pPr>
-            <a:lvl3pPr marL="914400" indent="0" algn="ctr">
+            <a:lvl3pPr marL="1040313" indent="0" algn="ctr">
               <a:buNone/>
             </a:lvl3pPr>
-            <a:lvl4pPr marL="1371600" indent="0" algn="ctr">
+            <a:lvl4pPr marL="1560469" indent="0" algn="ctr">
               <a:buNone/>
             </a:lvl4pPr>
-            <a:lvl5pPr marL="1828800" indent="0" algn="ctr">
+            <a:lvl5pPr marL="2080626" indent="0" algn="ctr">
               <a:buNone/>
             </a:lvl5pPr>
-            <a:lvl6pPr marL="2286000" indent="0" algn="ctr">
+            <a:lvl6pPr marL="2600782" indent="0" algn="ctr">
               <a:buNone/>
             </a:lvl6pPr>
-            <a:lvl7pPr marL="2743200" indent="0" algn="ctr">
+            <a:lvl7pPr marL="3120939" indent="0" algn="ctr">
               <a:buNone/>
             </a:lvl7pPr>
-            <a:lvl8pPr marL="3200400" indent="0" algn="ctr">
+            <a:lvl8pPr marL="3641095" indent="0" algn="ctr">
               <a:buNone/>
             </a:lvl8pPr>
-            <a:lvl9pPr marL="3657600" indent="0" algn="ctr">
+            <a:lvl9pPr marL="4161252" indent="0" algn="ctr">
               <a:buNone/>
             </a:lvl9pPr>
             <a:extLst/>
@@ -704,7 +908,7 @@
           <a:p>
             <a:fld id="{06D2B188-86D3-414B-BB86-E6D1024CE684}" type="datetimeFigureOut">
               <a:rPr lang="pt-BR" smtClean="0"/>
-              <a:t>25/11/2016</a:t>
+              <a:t>28/11/2016</a:t>
             </a:fld>
             <a:endParaRPr lang="pt-BR"/>
           </a:p>
@@ -764,7 +968,7 @@
         </p:nvSpPr>
         <p:spPr>
           <a:xfrm>
-            <a:off x="921433" y="1413802"/>
+            <a:off x="921433" y="1413803"/>
             <a:ext cx="210312" cy="210312"/>
           </a:xfrm>
           <a:prstGeom prst="ellipse">
@@ -833,7 +1037,7 @@
           </a:fontRef>
         </p:style>
         <p:txBody>
-          <a:bodyPr anchor="ctr"/>
+          <a:bodyPr lIns="104031" tIns="52016" rIns="104031" bIns="52016" anchor="ctr"/>
           <a:lstStyle>
             <a:extLst/>
           </a:lstStyle>
@@ -884,7 +1088,7 @@
           </a:fontRef>
         </p:style>
         <p:txBody>
-          <a:bodyPr anchor="ctr"/>
+          <a:bodyPr lIns="104031" tIns="52016" rIns="104031" bIns="52016" anchor="ctr"/>
           <a:lstStyle>
             <a:extLst/>
           </a:lstStyle>
@@ -1017,7 +1221,7 @@
           <a:p>
             <a:fld id="{06D2B188-86D3-414B-BB86-E6D1024CE684}" type="datetimeFigureOut">
               <a:rPr lang="pt-BR" smtClean="0"/>
-              <a:t>25/11/2016</a:t>
+              <a:t>28/11/2016</a:t>
             </a:fld>
             <a:endParaRPr lang="pt-BR"/>
           </a:p>
@@ -1106,7 +1310,7 @@
         </p:nvSpPr>
         <p:spPr>
           <a:xfrm>
-            <a:off x="6858000" y="274639"/>
+            <a:off x="6858000" y="274643"/>
             <a:ext cx="1828800" cy="5851525"/>
           </a:xfrm>
         </p:spPr>
@@ -1136,7 +1340,7 @@
         </p:nvSpPr>
         <p:spPr>
           <a:xfrm>
-            <a:off x="1143000" y="274640"/>
+            <a:off x="1143001" y="274644"/>
             <a:ext cx="5562600" cy="5851525"/>
           </a:xfrm>
         </p:spPr>
@@ -1202,7 +1406,7 @@
           <a:p>
             <a:fld id="{06D2B188-86D3-414B-BB86-E6D1024CE684}" type="datetimeFigureOut">
               <a:rPr lang="pt-BR" smtClean="0"/>
-              <a:t>25/11/2016</a:t>
+              <a:t>28/11/2016</a:t>
             </a:fld>
             <a:endParaRPr lang="pt-BR"/>
           </a:p>
@@ -1377,7 +1581,7 @@
           <a:p>
             <a:fld id="{06D2B188-86D3-414B-BB86-E6D1024CE684}" type="datetimeFigureOut">
               <a:rPr lang="pt-BR" smtClean="0"/>
-              <a:t>25/11/2016</a:t>
+              <a:t>28/11/2016</a:t>
             </a:fld>
             <a:endParaRPr lang="pt-BR"/>
           </a:p>
@@ -1463,7 +1667,7 @@
         <p:spPr>
           <a:xfrm>
             <a:off x="2282890" y="-54"/>
-            <a:ext cx="6858000" cy="6858054"/>
+            <a:ext cx="6858000" cy="6858055"/>
           </a:xfrm>
           <a:prstGeom prst="rect">
             <a:avLst/>
@@ -1492,7 +1696,7 @@
           </a:fontRef>
         </p:style>
         <p:txBody>
-          <a:bodyPr anchor="ctr"/>
+          <a:bodyPr lIns="104031" tIns="52016" rIns="104031" bIns="52016" anchor="ctr"/>
           <a:lstStyle>
             <a:extLst/>
           </a:lstStyle>
@@ -1523,10 +1727,10 @@
           <a:lstStyle>
             <a:lvl1pPr algn="l">
               <a:lnSpc>
-                <a:spcPts val="4500"/>
+                <a:spcPts val="5120"/>
               </a:lnSpc>
               <a:buNone/>
-              <a:defRPr sz="4000" b="1" cap="all"/>
+              <a:defRPr sz="4600" b="1" cap="all"/>
             </a:lvl1pPr>
             <a:extLst/>
           </a:lstStyle>
@@ -1558,15 +1762,15 @@
         <p:txBody>
           <a:bodyPr anchor="b"/>
           <a:lstStyle>
-            <a:lvl1pPr marL="18288" indent="0">
+            <a:lvl1pPr marL="20806" indent="0">
               <a:lnSpc>
-                <a:spcPts val="2300"/>
+                <a:spcPts val="2617"/>
               </a:lnSpc>
               <a:spcBef>
                 <a:spcPts val="0"/>
               </a:spcBef>
               <a:buNone/>
-              <a:defRPr sz="2000">
+              <a:defRPr sz="2300">
                 <a:solidFill>
                   <a:schemeClr val="tx2">
                     <a:shade val="30000"/>
@@ -1577,7 +1781,7 @@
             </a:lvl1pPr>
             <a:lvl2pPr>
               <a:buNone/>
-              <a:defRPr sz="1800">
+              <a:defRPr sz="2000">
                 <a:solidFill>
                   <a:schemeClr val="tx1">
                     <a:tint val="75000"/>
@@ -1587,7 +1791,7 @@
             </a:lvl2pPr>
             <a:lvl3pPr>
               <a:buNone/>
-              <a:defRPr sz="1600">
+              <a:defRPr sz="1800">
                 <a:solidFill>
                   <a:schemeClr val="tx1">
                     <a:tint val="75000"/>
@@ -1597,7 +1801,7 @@
             </a:lvl3pPr>
             <a:lvl4pPr>
               <a:buNone/>
-              <a:defRPr sz="1400">
+              <a:defRPr sz="1600">
                 <a:solidFill>
                   <a:schemeClr val="tx1">
                     <a:tint val="75000"/>
@@ -1607,7 +1811,7 @@
             </a:lvl4pPr>
             <a:lvl5pPr>
               <a:buNone/>
-              <a:defRPr sz="1400">
+              <a:defRPr sz="1600">
                 <a:solidFill>
                   <a:schemeClr val="tx1">
                     <a:tint val="75000"/>
@@ -1645,7 +1849,7 @@
           <a:p>
             <a:fld id="{06D2B188-86D3-414B-BB86-E6D1024CE684}" type="datetimeFigureOut">
               <a:rPr lang="pt-BR" smtClean="0"/>
-              <a:t>25/11/2016</a:t>
+              <a:t>28/11/2016</a:t>
             </a:fld>
             <a:endParaRPr lang="pt-BR"/>
           </a:p>
@@ -1705,8 +1909,8 @@
         </p:nvSpPr>
         <p:spPr bwMode="invGray">
           <a:xfrm>
-            <a:off x="2286000" y="0"/>
-            <a:ext cx="76200" cy="6858054"/>
+            <a:off x="2286001" y="2"/>
+            <a:ext cx="76200" cy="6858055"/>
           </a:xfrm>
           <a:prstGeom prst="rect">
             <a:avLst/>
@@ -1743,7 +1947,7 @@
           </a:fontRef>
         </p:style>
         <p:txBody>
-          <a:bodyPr anchor="ctr"/>
+          <a:bodyPr lIns="104031" tIns="52016" rIns="104031" bIns="52016" anchor="ctr"/>
           <a:lstStyle>
             <a:extLst/>
           </a:lstStyle>
@@ -1830,7 +2034,7 @@
           </a:fontRef>
         </p:style>
         <p:txBody>
-          <a:bodyPr anchor="ctr"/>
+          <a:bodyPr lIns="104031" tIns="52016" rIns="104031" bIns="52016" anchor="ctr"/>
           <a:lstStyle>
             <a:extLst/>
           </a:lstStyle>
@@ -1848,7 +2052,7 @@
         </p:nvSpPr>
         <p:spPr>
           <a:xfrm>
-            <a:off x="2408064" y="2745870"/>
+            <a:off x="2408064" y="2745871"/>
             <a:ext cx="64008" cy="64008"/>
           </a:xfrm>
           <a:prstGeom prst="ellipse">
@@ -1881,7 +2085,7 @@
           </a:fontRef>
         </p:style>
         <p:txBody>
-          <a:bodyPr anchor="ctr"/>
+          <a:bodyPr lIns="104031" tIns="52016" rIns="104031" bIns="52016" anchor="ctr"/>
           <a:lstStyle>
             <a:extLst/>
           </a:lstStyle>
@@ -1966,19 +2170,19 @@
           <a:bodyPr/>
           <a:lstStyle>
             <a:lvl1pPr>
-              <a:defRPr sz="2800"/>
+              <a:defRPr sz="3200"/>
             </a:lvl1pPr>
             <a:lvl2pPr>
-              <a:defRPr sz="2400"/>
+              <a:defRPr sz="2700"/>
             </a:lvl2pPr>
             <a:lvl3pPr>
-              <a:defRPr sz="2000"/>
+              <a:defRPr sz="2300"/>
             </a:lvl3pPr>
             <a:lvl4pPr>
-              <a:defRPr sz="1800"/>
+              <a:defRPr sz="2000"/>
             </a:lvl4pPr>
             <a:lvl5pPr>
-              <a:defRPr sz="1800"/>
+              <a:defRPr sz="2000"/>
             </a:lvl5pPr>
             <a:extLst/>
           </a:lstStyle>
@@ -2040,19 +2244,19 @@
           <a:bodyPr/>
           <a:lstStyle>
             <a:lvl1pPr>
-              <a:defRPr sz="2800"/>
+              <a:defRPr sz="3200"/>
             </a:lvl1pPr>
             <a:lvl2pPr>
-              <a:defRPr sz="2400"/>
+              <a:defRPr sz="2700"/>
             </a:lvl2pPr>
             <a:lvl3pPr>
-              <a:defRPr sz="2000"/>
+              <a:defRPr sz="2300"/>
             </a:lvl3pPr>
             <a:lvl4pPr>
-              <a:defRPr sz="1800"/>
+              <a:defRPr sz="2000"/>
             </a:lvl4pPr>
             <a:lvl5pPr>
-              <a:defRPr sz="1800"/>
+              <a:defRPr sz="2000"/>
             </a:lvl5pPr>
             <a:extLst/>
           </a:lstStyle>
@@ -2113,7 +2317,7 @@
           <a:p>
             <a:fld id="{06D2B188-86D3-414B-BB86-E6D1024CE684}" type="datetimeFigureOut">
               <a:rPr lang="pt-BR" smtClean="0"/>
-              <a:t>25/11/2016</a:t>
+              <a:t>28/11/2016</a:t>
             </a:fld>
             <a:endParaRPr lang="pt-BR"/>
           </a:p>
@@ -2210,7 +2414,7 @@
           <a:bodyPr anchor="ctr"/>
           <a:lstStyle>
             <a:lvl1pPr algn="ctr">
-              <a:defRPr sz="4500" b="1" cap="none" baseline="0"/>
+              <a:defRPr sz="5100" b="1" cap="none" baseline="0"/>
             </a:lvl1pPr>
             <a:extLst/>
           </a:lstStyle>
@@ -2235,7 +2439,7 @@
         </p:nvSpPr>
         <p:spPr>
           <a:xfrm>
-            <a:off x="457200" y="328278"/>
+            <a:off x="457200" y="328279"/>
             <a:ext cx="4023360" cy="640080"/>
           </a:xfrm>
           <a:solidFill>
@@ -2251,15 +2455,15 @@
         <p:txBody>
           <a:bodyPr anchor="ctr"/>
           <a:lstStyle>
-            <a:lvl1pPr marL="64008" indent="0" algn="l">
+            <a:lvl1pPr marL="72822" indent="0" algn="l">
               <a:lnSpc>
                 <a:spcPct val="100000"/>
               </a:lnSpc>
               <a:spcBef>
-                <a:spcPts val="100"/>
+                <a:spcPts val="114"/>
               </a:spcBef>
               <a:buNone/>
-              <a:defRPr sz="1900" b="0">
+              <a:defRPr sz="2200" b="0">
                 <a:solidFill>
                   <a:schemeClr val="tx1"/>
                 </a:solidFill>
@@ -2267,19 +2471,19 @@
             </a:lvl1pPr>
             <a:lvl2pPr>
               <a:buNone/>
-              <a:defRPr sz="2000" b="1"/>
+              <a:defRPr sz="2300" b="1"/>
             </a:lvl2pPr>
             <a:lvl3pPr>
               <a:buNone/>
-              <a:defRPr sz="1800" b="1"/>
+              <a:defRPr sz="2000" b="1"/>
             </a:lvl3pPr>
             <a:lvl4pPr>
               <a:buNone/>
-              <a:defRPr sz="1600" b="1"/>
+              <a:defRPr sz="1800" b="1"/>
             </a:lvl4pPr>
             <a:lvl5pPr>
               <a:buNone/>
-              <a:defRPr sz="1600" b="1"/>
+              <a:defRPr sz="1800" b="1"/>
             </a:lvl5pPr>
             <a:extLst/>
           </a:lstStyle>
@@ -2304,7 +2508,7 @@
         </p:nvSpPr>
         <p:spPr>
           <a:xfrm>
-            <a:off x="4663440" y="328278"/>
+            <a:off x="4663440" y="328279"/>
             <a:ext cx="4023360" cy="640080"/>
           </a:xfrm>
           <a:solidFill>
@@ -2320,15 +2524,15 @@
         <p:txBody>
           <a:bodyPr anchor="ctr"/>
           <a:lstStyle>
-            <a:lvl1pPr marL="64008" indent="0" algn="l">
+            <a:lvl1pPr marL="72822" indent="0" algn="l">
               <a:lnSpc>
                 <a:spcPct val="100000"/>
               </a:lnSpc>
               <a:spcBef>
-                <a:spcPts val="100"/>
+                <a:spcPts val="114"/>
               </a:spcBef>
               <a:buNone/>
-              <a:defRPr sz="1900" b="0">
+              <a:defRPr sz="2200" b="0">
                 <a:solidFill>
                   <a:schemeClr val="tx1"/>
                 </a:solidFill>
@@ -2336,19 +2540,19 @@
             </a:lvl1pPr>
             <a:lvl2pPr>
               <a:buNone/>
-              <a:defRPr sz="2000" b="1"/>
+              <a:defRPr sz="2300" b="1"/>
             </a:lvl2pPr>
             <a:lvl3pPr>
               <a:buNone/>
-              <a:defRPr sz="1800" b="1"/>
+              <a:defRPr sz="2000" b="1"/>
             </a:lvl3pPr>
             <a:lvl4pPr>
               <a:buNone/>
-              <a:defRPr sz="1600" b="1"/>
+              <a:defRPr sz="1800" b="1"/>
             </a:lvl4pPr>
             <a:lvl5pPr>
               <a:buNone/>
-              <a:defRPr sz="1600" b="1"/>
+              <a:defRPr sz="1800" b="1"/>
             </a:lvl5pPr>
             <a:extLst/>
           </a:lstStyle>
@@ -2387,50 +2591,50 @@
         <p:txBody>
           <a:bodyPr/>
           <a:lstStyle>
-            <a:lvl1pPr marL="393192" indent="-274320">
+            <a:lvl1pPr marL="447335" indent="-312094">
               <a:lnSpc>
                 <a:spcPct val="100000"/>
               </a:lnSpc>
               <a:spcBef>
-                <a:spcPts val="700"/>
+                <a:spcPts val="796"/>
               </a:spcBef>
-              <a:defRPr sz="2400"/>
+              <a:defRPr sz="2700"/>
             </a:lvl1pPr>
             <a:lvl2pPr>
               <a:lnSpc>
                 <a:spcPct val="100000"/>
               </a:lnSpc>
               <a:spcBef>
-                <a:spcPts val="700"/>
+                <a:spcPts val="796"/>
               </a:spcBef>
-              <a:defRPr sz="2000"/>
+              <a:defRPr sz="2300"/>
             </a:lvl2pPr>
             <a:lvl3pPr>
               <a:lnSpc>
                 <a:spcPct val="100000"/>
               </a:lnSpc>
               <a:spcBef>
-                <a:spcPts val="700"/>
+                <a:spcPts val="796"/>
               </a:spcBef>
-              <a:defRPr sz="1800"/>
+              <a:defRPr sz="2000"/>
             </a:lvl3pPr>
             <a:lvl4pPr>
               <a:lnSpc>
                 <a:spcPct val="100000"/>
               </a:lnSpc>
               <a:spcBef>
-                <a:spcPts val="700"/>
+                <a:spcPts val="796"/>
               </a:spcBef>
-              <a:defRPr sz="1600"/>
+              <a:defRPr sz="1800"/>
             </a:lvl4pPr>
             <a:lvl5pPr>
               <a:lnSpc>
                 <a:spcPct val="100000"/>
               </a:lnSpc>
               <a:spcBef>
-                <a:spcPts val="700"/>
+                <a:spcPts val="796"/>
               </a:spcBef>
-              <a:defRPr sz="1600"/>
+              <a:defRPr sz="1800"/>
             </a:lvl5pPr>
             <a:extLst/>
           </a:lstStyle>
@@ -2498,50 +2702,50 @@
         <p:txBody>
           <a:bodyPr/>
           <a:lstStyle>
-            <a:lvl1pPr marL="393192" indent="-274320">
+            <a:lvl1pPr marL="447335" indent="-312094">
               <a:lnSpc>
                 <a:spcPct val="100000"/>
               </a:lnSpc>
               <a:spcBef>
-                <a:spcPts val="700"/>
+                <a:spcPts val="796"/>
               </a:spcBef>
-              <a:defRPr sz="2400"/>
+              <a:defRPr sz="2700"/>
             </a:lvl1pPr>
             <a:lvl2pPr>
               <a:lnSpc>
                 <a:spcPct val="100000"/>
               </a:lnSpc>
               <a:spcBef>
-                <a:spcPts val="700"/>
+                <a:spcPts val="796"/>
               </a:spcBef>
-              <a:defRPr sz="2000"/>
+              <a:defRPr sz="2300"/>
             </a:lvl2pPr>
             <a:lvl3pPr>
               <a:lnSpc>
                 <a:spcPct val="100000"/>
               </a:lnSpc>
               <a:spcBef>
-                <a:spcPts val="700"/>
+                <a:spcPts val="796"/>
               </a:spcBef>
-              <a:defRPr sz="1800"/>
+              <a:defRPr sz="2000"/>
             </a:lvl3pPr>
             <a:lvl4pPr>
               <a:lnSpc>
                 <a:spcPct val="100000"/>
               </a:lnSpc>
               <a:spcBef>
-                <a:spcPts val="700"/>
+                <a:spcPts val="796"/>
               </a:spcBef>
-              <a:defRPr sz="1600"/>
+              <a:defRPr sz="1800"/>
             </a:lvl4pPr>
             <a:lvl5pPr>
               <a:lnSpc>
                 <a:spcPct val="100000"/>
               </a:lnSpc>
               <a:spcBef>
-                <a:spcPts val="700"/>
+                <a:spcPts val="796"/>
               </a:spcBef>
-              <a:defRPr sz="1600"/>
+              <a:defRPr sz="1800"/>
             </a:lvl5pPr>
             <a:extLst/>
           </a:lstStyle>
@@ -2602,7 +2806,7 @@
           <a:p>
             <a:fld id="{06D2B188-86D3-414B-BB86-E6D1024CE684}" type="datetimeFigureOut">
               <a:rPr lang="pt-BR" smtClean="0"/>
-              <a:t>25/11/2016</a:t>
+              <a:t>28/11/2016</a:t>
             </a:fld>
             <a:endParaRPr lang="pt-BR"/>
           </a:p>
@@ -2728,7 +2932,7 @@
           <a:p>
             <a:fld id="{06D2B188-86D3-414B-BB86-E6D1024CE684}" type="datetimeFigureOut">
               <a:rPr lang="pt-BR" smtClean="0"/>
-              <a:t>25/11/2016</a:t>
+              <a:t>28/11/2016</a:t>
             </a:fld>
             <a:endParaRPr lang="pt-BR"/>
           </a:p>
@@ -2843,7 +3047,7 @@
           </a:fontRef>
         </p:style>
         <p:txBody>
-          <a:bodyPr anchor="ctr"/>
+          <a:bodyPr lIns="104031" tIns="52016" rIns="104031" bIns="52016" anchor="ctr"/>
           <a:lstStyle>
             <a:extLst/>
           </a:lstStyle>
@@ -2872,7 +3076,7 @@
           <a:p>
             <a:fld id="{06D2B188-86D3-414B-BB86-E6D1024CE684}" type="datetimeFigureOut">
               <a:rPr lang="pt-BR" smtClean="0"/>
-              <a:t>25/11/2016</a:t>
+              <a:t>28/11/2016</a:t>
             </a:fld>
             <a:endParaRPr lang="pt-BR"/>
           </a:p>
@@ -2933,7 +3137,7 @@
         <p:spPr bwMode="invGray">
           <a:xfrm>
             <a:off x="1014984" y="-54"/>
-            <a:ext cx="73152" cy="6858054"/>
+            <a:ext cx="73152" cy="6858055"/>
           </a:xfrm>
           <a:prstGeom prst="rect">
             <a:avLst/>
@@ -2970,7 +3174,7 @@
           </a:fontRef>
         </p:style>
         <p:txBody>
-          <a:bodyPr anchor="ctr"/>
+          <a:bodyPr lIns="104031" tIns="52016" rIns="104031" bIns="52016" anchor="ctr"/>
           <a:lstStyle>
             <a:extLst/>
           </a:lstStyle>
@@ -3018,7 +3222,7 @@
         <p:spPr>
           <a:xfrm>
             <a:off x="457200" y="216778"/>
-            <a:ext cx="3810000" cy="1162050"/>
+            <a:ext cx="3810000" cy="1162051"/>
           </a:xfrm>
           <a:ln>
             <a:noFill/>
@@ -3029,10 +3233,10 @@
           <a:lstStyle>
             <a:lvl1pPr algn="l">
               <a:lnSpc>
-                <a:spcPts val="2000"/>
+                <a:spcPts val="2275"/>
               </a:lnSpc>
               <a:buNone/>
-              <a:defRPr sz="2200" b="1" cap="all" baseline="0"/>
+              <a:defRPr sz="2500" b="1" cap="all" baseline="0"/>
             </a:lvl1pPr>
             <a:extLst/>
           </a:lstStyle>
@@ -3057,14 +3261,14 @@
         </p:nvSpPr>
         <p:spPr>
           <a:xfrm>
-            <a:off x="457200" y="1406964"/>
+            <a:off x="457200" y="1406965"/>
             <a:ext cx="3810000" cy="698500"/>
           </a:xfrm>
         </p:spPr>
         <p:txBody>
           <a:bodyPr/>
           <a:lstStyle>
-            <a:lvl1pPr marL="45720" indent="0">
+            <a:lvl1pPr marL="52016" indent="0">
               <a:lnSpc>
                 <a:spcPct val="100000"/>
               </a:lnSpc>
@@ -3072,23 +3276,23 @@
                 <a:spcPts val="0"/>
               </a:spcBef>
               <a:buNone/>
-              <a:defRPr sz="1400"/>
+              <a:defRPr sz="1600"/>
             </a:lvl1pPr>
             <a:lvl2pPr>
               <a:buNone/>
-              <a:defRPr sz="1200"/>
+              <a:defRPr sz="1400"/>
             </a:lvl2pPr>
             <a:lvl3pPr>
               <a:buNone/>
-              <a:defRPr sz="1000"/>
+              <a:defRPr sz="1100"/>
             </a:lvl3pPr>
             <a:lvl4pPr>
               <a:buNone/>
-              <a:defRPr sz="900"/>
+              <a:defRPr sz="1000"/>
             </a:lvl4pPr>
             <a:lvl5pPr>
               <a:buNone/>
-              <a:defRPr sz="900"/>
+              <a:defRPr sz="1000"/>
             </a:lvl5pPr>
             <a:extLst/>
           </a:lstStyle>
@@ -3113,7 +3317,7 @@
         </p:nvSpPr>
         <p:spPr>
           <a:xfrm>
-            <a:off x="457200" y="2133600"/>
+            <a:off x="457200" y="2133603"/>
             <a:ext cx="8153400" cy="3992563"/>
           </a:xfrm>
         </p:spPr>
@@ -3121,19 +3325,19 @@
           <a:bodyPr/>
           <a:lstStyle>
             <a:lvl1pPr>
-              <a:defRPr sz="3200"/>
+              <a:defRPr sz="3600"/>
             </a:lvl1pPr>
             <a:lvl2pPr>
-              <a:defRPr sz="2800"/>
+              <a:defRPr sz="3200"/>
             </a:lvl2pPr>
             <a:lvl3pPr>
-              <a:defRPr sz="2400"/>
+              <a:defRPr sz="2700"/>
             </a:lvl3pPr>
             <a:lvl4pPr>
-              <a:defRPr sz="2000"/>
+              <a:defRPr sz="2300"/>
             </a:lvl4pPr>
             <a:lvl5pPr>
-              <a:defRPr sz="2000"/>
+              <a:defRPr sz="2300"/>
             </a:lvl5pPr>
             <a:extLst/>
           </a:lstStyle>
@@ -3194,7 +3398,7 @@
           <a:p>
             <a:fld id="{06D2B188-86D3-414B-BB86-E6D1024CE684}" type="datetimeFigureOut">
               <a:rPr lang="pt-BR" smtClean="0"/>
-              <a:t>25/11/2016</a:t>
+              <a:t>28/11/2016</a:t>
             </a:fld>
             <a:endParaRPr lang="pt-BR"/>
           </a:p>
@@ -3294,7 +3498,7 @@
           <a:lstStyle>
             <a:lvl1pPr algn="l">
               <a:buNone/>
-              <a:defRPr sz="2100" b="1">
+              <a:defRPr sz="2400" b="1">
                 <a:effectLst/>
               </a:defRPr>
             </a:lvl1pPr>
@@ -3328,7 +3532,7 @@
           <a:p>
             <a:fld id="{06D2B188-86D3-414B-BB86-E6D1024CE684}" type="datetimeFigureOut">
               <a:rPr lang="pt-BR" smtClean="0"/>
-              <a:t>25/11/2016</a:t>
+              <a:t>28/11/2016</a:t>
             </a:fld>
             <a:endParaRPr lang="pt-BR"/>
           </a:p>
@@ -3424,19 +3628,19 @@
           </a:sp3d>
         </p:spPr>
         <p:txBody>
-          <a:bodyPr lIns="91440" tIns="274320" rtlCol="0" anchor="t">
+          <a:bodyPr lIns="104031" tIns="312094" rIns="104031" bIns="52016" rtlCol="0" anchor="t">
             <a:normAutofit/>
           </a:bodyPr>
           <a:lstStyle>
             <a:extLst/>
           </a:lstStyle>
           <a:p>
-            <a:pPr marL="0" indent="-283464" algn="l" rtl="0" eaLnBrk="1" latinLnBrk="0" hangingPunct="1">
+            <a:pPr marL="0" indent="-322497" algn="l" rtl="0" eaLnBrk="1" latinLnBrk="0" hangingPunct="1">
               <a:lnSpc>
-                <a:spcPts val="3000"/>
+                <a:spcPts val="3413"/>
               </a:lnSpc>
               <a:spcBef>
-                <a:spcPts val="600"/>
+                <a:spcPts val="683"/>
               </a:spcBef>
               <a:buClr>
                 <a:schemeClr val="accent1"/>
@@ -3445,7 +3649,7 @@
               <a:buFont typeface="Wingdings 2"/>
               <a:buNone/>
             </a:pPr>
-            <a:endParaRPr kumimoji="0" lang="en-US" sz="3200" kern="1200">
+            <a:endParaRPr kumimoji="0" lang="en-US" sz="3600" kern="1200">
               <a:solidFill>
                 <a:schemeClr val="tx1"/>
               </a:solidFill>
@@ -3468,7 +3672,7 @@
         </p:nvSpPr>
         <p:spPr>
           <a:xfrm>
-            <a:off x="838200" y="1143003"/>
+            <a:off x="838200" y="1143006"/>
             <a:ext cx="4419600" cy="3514531"/>
           </a:xfrm>
           <a:prstGeom prst="roundRect">
@@ -3486,11 +3690,11 @@
           <a:effectLst/>
         </p:spPr>
         <p:txBody>
-          <a:bodyPr lIns="91440" tIns="274320" anchor="t"/>
-          <a:lstStyle>
-            <a:lvl1pPr indent="0">
+          <a:bodyPr lIns="104031" tIns="312094" anchor="t"/>
+          <a:lstStyle>
+            <a:lvl1pPr marL="0" indent="0" algn="l" eaLnBrk="1" latinLnBrk="0" hangingPunct="1">
               <a:buNone/>
-              <a:defRPr sz="3200"/>
+              <a:defRPr sz="3600"/>
             </a:lvl1pPr>
             <a:extLst/>
           </a:lstStyle>
@@ -3512,8 +3716,8 @@
         </p:nvSpPr>
         <p:spPr>
           <a:xfrm rot="19468671">
-            <a:off x="396725" y="954341"/>
-            <a:ext cx="685800" cy="204310"/>
+            <a:off x="396725" y="954343"/>
+            <a:ext cx="685800" cy="204311"/>
           </a:xfrm>
           <a:prstGeom prst="flowChartProcess">
             <a:avLst/>
@@ -3556,7 +3760,7 @@
           </a:fontRef>
         </p:style>
         <p:txBody>
-          <a:bodyPr anchor="ctr"/>
+          <a:bodyPr lIns="104031" tIns="52016" rIns="104031" bIns="52016" anchor="ctr"/>
           <a:lstStyle>
             <a:extLst/>
           </a:lstStyle>
@@ -3574,8 +3778,8 @@
         </p:nvSpPr>
         <p:spPr>
           <a:xfrm rot="2103354" flipH="1">
-            <a:off x="5003667" y="936786"/>
-            <a:ext cx="649224" cy="204310"/>
+            <a:off x="5003667" y="936787"/>
+            <a:ext cx="649224" cy="204311"/>
           </a:xfrm>
           <a:prstGeom prst="flowChartProcess">
             <a:avLst/>
@@ -3616,7 +3820,7 @@
           </a:fontRef>
         </p:style>
         <p:txBody>
-          <a:bodyPr anchor="ctr"/>
+          <a:bodyPr lIns="104031" tIns="52016" rIns="104031" bIns="52016" anchor="ctr"/>
           <a:lstStyle>
             <a:extLst/>
           </a:lstStyle>
@@ -3647,29 +3851,29 @@
           <a:lstStyle>
             <a:lvl1pPr marL="0" indent="0" algn="l">
               <a:lnSpc>
-                <a:spcPts val="1600"/>
+                <a:spcPts val="1820"/>
               </a:lnSpc>
               <a:spcBef>
                 <a:spcPts val="0"/>
               </a:spcBef>
               <a:buNone/>
-              <a:defRPr sz="1400">
+              <a:defRPr sz="1600">
                 <a:solidFill>
                   <a:srgbClr val="777777"/>
                 </a:solidFill>
               </a:defRPr>
             </a:lvl1pPr>
             <a:lvl2pPr>
-              <a:defRPr sz="1200"/>
+              <a:defRPr sz="1400"/>
             </a:lvl2pPr>
             <a:lvl3pPr>
-              <a:defRPr sz="1000"/>
+              <a:defRPr sz="1100"/>
             </a:lvl3pPr>
             <a:lvl4pPr>
-              <a:defRPr sz="900"/>
+              <a:defRPr sz="1000"/>
             </a:lvl4pPr>
             <a:lvl5pPr>
-              <a:defRPr sz="900"/>
+              <a:defRPr sz="1000"/>
             </a:lvl5pPr>
             <a:extLst/>
           </a:lstStyle>
@@ -3720,7 +3924,7 @@
         </p:nvSpPr>
         <p:spPr>
           <a:xfrm>
-            <a:off x="-815927" y="-815922"/>
+            <a:off x="-815925" y="-815921"/>
             <a:ext cx="1638887" cy="1638887"/>
           </a:xfrm>
           <a:prstGeom prst="pie">
@@ -3763,7 +3967,7 @@
           </a:fontRef>
         </p:style>
         <p:txBody>
-          <a:bodyPr anchor="ctr"/>
+          <a:bodyPr lIns="104031" tIns="52016" rIns="104031" bIns="52016" anchor="ctr"/>
           <a:lstStyle>
             <a:extLst/>
           </a:lstStyle>
@@ -3781,7 +3985,7 @@
         </p:nvSpPr>
         <p:spPr>
           <a:xfrm>
-            <a:off x="168816" y="21102"/>
+            <a:off x="168819" y="21106"/>
             <a:ext cx="1702191" cy="1702191"/>
           </a:xfrm>
           <a:prstGeom prst="ellipse">
@@ -3823,7 +4027,7 @@
           </a:fontRef>
         </p:style>
         <p:txBody>
-          <a:bodyPr anchor="ctr"/>
+          <a:bodyPr lIns="104031" tIns="52016" rIns="104031" bIns="52016" anchor="ctr"/>
           <a:lstStyle>
             <a:extLst/>
           </a:lstStyle>
@@ -3841,7 +4045,7 @@
         </p:nvSpPr>
         <p:spPr>
           <a:xfrm rot="2315675">
-            <a:off x="182881" y="1055077"/>
+            <a:off x="182884" y="1055077"/>
             <a:ext cx="1125717" cy="1102624"/>
           </a:xfrm>
           <a:prstGeom prst="donut">
@@ -3915,7 +4119,7 @@
           </a:fontRef>
         </p:style>
         <p:txBody>
-          <a:bodyPr anchor="ctr"/>
+          <a:bodyPr lIns="104031" tIns="52016" rIns="104031" bIns="52016" anchor="ctr"/>
           <a:lstStyle>
             <a:extLst/>
           </a:lstStyle>
@@ -3933,8 +4137,8 @@
         </p:nvSpPr>
         <p:spPr>
           <a:xfrm>
-            <a:off x="1012873" y="-54"/>
-            <a:ext cx="8131127" cy="6858054"/>
+            <a:off x="1012876" y="-54"/>
+            <a:ext cx="8131127" cy="6858055"/>
           </a:xfrm>
           <a:prstGeom prst="rect">
             <a:avLst/>
@@ -3963,7 +4167,7 @@
           </a:fontRef>
         </p:style>
         <p:txBody>
-          <a:bodyPr anchor="ctr"/>
+          <a:bodyPr lIns="104031" tIns="52016" rIns="104031" bIns="52016" anchor="ctr"/>
           <a:lstStyle>
             <a:extLst/>
           </a:lstStyle>
@@ -3985,7 +4189,7 @@
         </p:nvSpPr>
         <p:spPr>
           <a:xfrm>
-            <a:off x="1435608" y="274638"/>
+            <a:off x="1435608" y="274639"/>
             <a:ext cx="7498080" cy="1143000"/>
           </a:xfrm>
           <a:prstGeom prst="rect">
@@ -3993,7 +4197,7 @@
           </a:prstGeom>
         </p:spPr>
         <p:txBody>
-          <a:bodyPr anchor="ctr">
+          <a:bodyPr lIns="104031" tIns="52016" rIns="104031" bIns="52016" anchor="ctr">
             <a:normAutofit/>
           </a:bodyPr>
           <a:lstStyle>
@@ -4028,7 +4232,7 @@
           </a:prstGeom>
         </p:spPr>
         <p:txBody>
-          <a:bodyPr>
+          <a:bodyPr lIns="104031" tIns="52016" rIns="104031" bIns="52016">
             <a:normAutofit/>
           </a:bodyPr>
           <a:lstStyle>
@@ -4085,17 +4289,17 @@
         <p:spPr>
           <a:xfrm>
             <a:off x="3581400" y="6305550"/>
-            <a:ext cx="2133600" cy="476250"/>
+            <a:ext cx="2133600" cy="476251"/>
           </a:xfrm>
           <a:prstGeom prst="rect">
             <a:avLst/>
           </a:prstGeom>
         </p:spPr>
         <p:txBody>
-          <a:bodyPr anchor="b"/>
+          <a:bodyPr lIns="104031" tIns="52016" rIns="104031" bIns="52016" anchor="b"/>
           <a:lstStyle>
             <a:lvl1pPr algn="r" eaLnBrk="1" latinLnBrk="0" hangingPunct="1">
-              <a:defRPr kumimoji="0" sz="1200">
+              <a:defRPr kumimoji="0" sz="1400">
                 <a:solidFill>
                   <a:schemeClr val="bg2">
                     <a:shade val="50000"/>
@@ -4109,7 +4313,7 @@
           <a:p>
             <a:fld id="{06D2B188-86D3-414B-BB86-E6D1024CE684}" type="datetimeFigureOut">
               <a:rPr lang="pt-BR" smtClean="0"/>
-              <a:t>25/11/2016</a:t>
+              <a:t>28/11/2016</a:t>
             </a:fld>
             <a:endParaRPr lang="pt-BR"/>
           </a:p>
@@ -4128,17 +4332,17 @@
         <p:spPr>
           <a:xfrm>
             <a:off x="5715000" y="6305550"/>
-            <a:ext cx="2895600" cy="476250"/>
+            <a:ext cx="2895600" cy="476251"/>
           </a:xfrm>
           <a:prstGeom prst="rect">
             <a:avLst/>
           </a:prstGeom>
         </p:spPr>
         <p:txBody>
-          <a:bodyPr anchor="b"/>
+          <a:bodyPr lIns="104031" tIns="52016" rIns="104031" bIns="52016" anchor="b"/>
           <a:lstStyle>
             <a:lvl1pPr eaLnBrk="1" latinLnBrk="0" hangingPunct="1">
-              <a:defRPr kumimoji="0" sz="1200">
+              <a:defRPr kumimoji="0" sz="1400">
                 <a:solidFill>
                   <a:schemeClr val="bg2">
                     <a:shade val="50000"/>
@@ -4168,17 +4372,17 @@
         <p:spPr>
           <a:xfrm>
             <a:off x="8613648" y="6305550"/>
-            <a:ext cx="457200" cy="476250"/>
+            <a:ext cx="457200" cy="476251"/>
           </a:xfrm>
           <a:prstGeom prst="rect">
             <a:avLst/>
           </a:prstGeom>
         </p:spPr>
         <p:txBody>
-          <a:bodyPr anchor="b"/>
+          <a:bodyPr lIns="104031" tIns="52016" rIns="104031" bIns="52016" anchor="b"/>
           <a:lstStyle>
             <a:lvl1pPr algn="ctr" eaLnBrk="1" latinLnBrk="0" hangingPunct="1">
-              <a:defRPr kumimoji="0" sz="1200">
+              <a:defRPr kumimoji="0" sz="1400">
                 <a:solidFill>
                   <a:schemeClr val="bg2">
                     <a:shade val="50000"/>
@@ -4208,7 +4412,7 @@
         <p:spPr bwMode="invGray">
           <a:xfrm>
             <a:off x="1014984" y="-54"/>
-            <a:ext cx="73152" cy="6858054"/>
+            <a:ext cx="73152" cy="6858055"/>
           </a:xfrm>
           <a:prstGeom prst="rect">
             <a:avLst/>
@@ -4245,7 +4449,7 @@
           </a:fontRef>
         </p:style>
         <p:txBody>
-          <a:bodyPr anchor="ctr"/>
+          <a:bodyPr lIns="104031" tIns="52016" rIns="104031" bIns="52016" anchor="ctr"/>
           <a:lstStyle>
             <a:extLst/>
           </a:lstStyle>
@@ -4278,7 +4482,7 @@
           <a:spcPct val="0"/>
         </a:spcBef>
         <a:buNone/>
-        <a:defRPr kumimoji="0" sz="4300" kern="1200">
+        <a:defRPr kumimoji="0" sz="4900" kern="1200">
           <a:solidFill>
             <a:schemeClr val="tx2">
               <a:satMod val="130000"/>
@@ -4299,12 +4503,12 @@
       <a:extLst/>
     </p:titleStyle>
     <p:bodyStyle>
-      <a:lvl1pPr marL="365760" indent="-283464" algn="l" rtl="0" eaLnBrk="1" latinLnBrk="0" hangingPunct="1">
+      <a:lvl1pPr marL="416125" indent="-322497" algn="l" rtl="0" eaLnBrk="1" latinLnBrk="0" hangingPunct="1">
         <a:lnSpc>
           <a:spcPct val="100000"/>
         </a:lnSpc>
         <a:spcBef>
-          <a:spcPts val="600"/>
+          <a:spcPts val="683"/>
         </a:spcBef>
         <a:buClr>
           <a:schemeClr val="accent1"/>
@@ -4312,6 +4516,27 @@
         <a:buSzPct val="80000"/>
         <a:buFont typeface="Wingdings 2"/>
         <a:buChar char=""/>
+        <a:defRPr kumimoji="0" sz="3600" kern="1200">
+          <a:solidFill>
+            <a:schemeClr val="tx1"/>
+          </a:solidFill>
+          <a:latin typeface="+mn-lt"/>
+          <a:ea typeface="+mn-ea"/>
+          <a:cs typeface="+mn-cs"/>
+        </a:defRPr>
+      </a:lvl1pPr>
+      <a:lvl2pPr marL="728219" indent="-270481" algn="l" rtl="0" eaLnBrk="1" latinLnBrk="0" hangingPunct="1">
+        <a:lnSpc>
+          <a:spcPct val="100000"/>
+        </a:lnSpc>
+        <a:spcBef>
+          <a:spcPts val="626"/>
+        </a:spcBef>
+        <a:buClr>
+          <a:schemeClr val="accent1"/>
+        </a:buClr>
+        <a:buFont typeface="Verdana"/>
+        <a:buChar char="◦"/>
         <a:defRPr kumimoji="0" sz="3200" kern="1200">
           <a:solidFill>
             <a:schemeClr val="tx1"/>
@@ -4320,29 +4545,8 @@
           <a:ea typeface="+mn-ea"/>
           <a:cs typeface="+mn-cs"/>
         </a:defRPr>
-      </a:lvl1pPr>
-      <a:lvl2pPr marL="640080" indent="-237744" algn="l" rtl="0" eaLnBrk="1" latinLnBrk="0" hangingPunct="1">
-        <a:lnSpc>
-          <a:spcPct val="100000"/>
-        </a:lnSpc>
-        <a:spcBef>
-          <a:spcPts val="550"/>
-        </a:spcBef>
-        <a:buClr>
-          <a:schemeClr val="accent1"/>
-        </a:buClr>
-        <a:buFont typeface="Verdana"/>
-        <a:buChar char="◦"/>
-        <a:defRPr kumimoji="0" sz="2800" kern="1200">
-          <a:solidFill>
-            <a:schemeClr val="tx1"/>
-          </a:solidFill>
-          <a:latin typeface="+mn-lt"/>
-          <a:ea typeface="+mn-ea"/>
-          <a:cs typeface="+mn-cs"/>
-        </a:defRPr>
       </a:lvl2pPr>
-      <a:lvl3pPr marL="886968" indent="-228600" algn="l" rtl="0" eaLnBrk="1" latinLnBrk="0" hangingPunct="1">
+      <a:lvl3pPr marL="1009103" indent="-260078" algn="l" rtl="0" eaLnBrk="1" latinLnBrk="0" hangingPunct="1">
         <a:lnSpc>
           <a:spcPct val="100000"/>
         </a:lnSpc>
@@ -4354,7 +4558,7 @@
         </a:buClr>
         <a:buFont typeface="Wingdings 2"/>
         <a:buChar char=""/>
-        <a:defRPr kumimoji="0" sz="2400" kern="1200">
+        <a:defRPr kumimoji="0" sz="2700" kern="1200">
           <a:solidFill>
             <a:schemeClr val="tx1"/>
           </a:solidFill>
@@ -4363,7 +4567,7 @@
           <a:cs typeface="+mn-cs"/>
         </a:defRPr>
       </a:lvl3pPr>
-      <a:lvl4pPr marL="1097280" indent="-173736" algn="l" rtl="0" eaLnBrk="1" latinLnBrk="0" hangingPunct="1">
+      <a:lvl4pPr marL="1248375" indent="-197659" algn="l" rtl="0" eaLnBrk="1" latinLnBrk="0" hangingPunct="1">
         <a:lnSpc>
           <a:spcPct val="100000"/>
         </a:lnSpc>
@@ -4375,7 +4579,7 @@
         </a:buClr>
         <a:buFont typeface="Wingdings 2"/>
         <a:buChar char=""/>
-        <a:defRPr kumimoji="0" sz="2000" kern="1200">
+        <a:defRPr kumimoji="0" sz="2300" kern="1200">
           <a:solidFill>
             <a:schemeClr val="tx1"/>
           </a:solidFill>
@@ -4384,7 +4588,7 @@
           <a:cs typeface="+mn-cs"/>
         </a:defRPr>
       </a:lvl4pPr>
-      <a:lvl5pPr marL="1298448" indent="-182880" algn="l" rtl="0" eaLnBrk="1" latinLnBrk="0" hangingPunct="1">
+      <a:lvl5pPr marL="1477244" indent="-208063" algn="l" rtl="0" eaLnBrk="1" latinLnBrk="0" hangingPunct="1">
         <a:lnSpc>
           <a:spcPct val="100000"/>
         </a:lnSpc>
@@ -4396,7 +4600,7 @@
         </a:buClr>
         <a:buFont typeface="Wingdings 2"/>
         <a:buChar char=""/>
-        <a:defRPr kumimoji="0" sz="2000" kern="1200">
+        <a:defRPr kumimoji="0" sz="2300" kern="1200">
           <a:solidFill>
             <a:schemeClr val="tx1"/>
           </a:solidFill>
@@ -4405,7 +4609,7 @@
           <a:cs typeface="+mn-cs"/>
         </a:defRPr>
       </a:lvl5pPr>
-      <a:lvl6pPr marL="1508760" indent="-182880" algn="l" rtl="0" eaLnBrk="1" latinLnBrk="0" hangingPunct="1">
+      <a:lvl6pPr marL="1716516" indent="-208063" algn="l" rtl="0" eaLnBrk="1" latinLnBrk="0" hangingPunct="1">
         <a:lnSpc>
           <a:spcPct val="100000"/>
         </a:lnSpc>
@@ -4417,7 +4621,7 @@
         </a:buClr>
         <a:buFont typeface="Wingdings 2"/>
         <a:buChar char=""/>
-        <a:defRPr kumimoji="0" sz="2000" kern="1200">
+        <a:defRPr kumimoji="0" sz="2300" kern="1200">
           <a:solidFill>
             <a:schemeClr val="tx1"/>
           </a:solidFill>
@@ -4426,7 +4630,7 @@
           <a:cs typeface="+mn-cs"/>
         </a:defRPr>
       </a:lvl6pPr>
-      <a:lvl7pPr marL="1719072" indent="-182880" algn="l" rtl="0" eaLnBrk="1" latinLnBrk="0" hangingPunct="1">
+      <a:lvl7pPr marL="1955788" indent="-208063" algn="l" rtl="0" eaLnBrk="1" latinLnBrk="0" hangingPunct="1">
         <a:lnSpc>
           <a:spcPct val="100000"/>
         </a:lnSpc>
@@ -4438,7 +4642,7 @@
         </a:buClr>
         <a:buFont typeface="Wingdings 2"/>
         <a:buChar char=""/>
-        <a:defRPr kumimoji="0" sz="2000" kern="1200">
+        <a:defRPr kumimoji="0" sz="2300" kern="1200">
           <a:solidFill>
             <a:schemeClr val="tx1"/>
           </a:solidFill>
@@ -4447,7 +4651,7 @@
           <a:cs typeface="+mn-cs"/>
         </a:defRPr>
       </a:lvl7pPr>
-      <a:lvl8pPr marL="1920240" indent="-182880" algn="l" rtl="0" eaLnBrk="1" latinLnBrk="0" hangingPunct="1">
+      <a:lvl8pPr marL="2184657" indent="-208063" algn="l" rtl="0" eaLnBrk="1" latinLnBrk="0" hangingPunct="1">
         <a:lnSpc>
           <a:spcPct val="100000"/>
         </a:lnSpc>
@@ -4459,7 +4663,7 @@
         </a:buClr>
         <a:buFont typeface="Wingdings 2"/>
         <a:buChar char=""/>
-        <a:defRPr kumimoji="0" sz="2000" kern="1200">
+        <a:defRPr kumimoji="0" sz="2300" kern="1200">
           <a:solidFill>
             <a:schemeClr val="tx1"/>
           </a:solidFill>
@@ -4468,7 +4672,7 @@
           <a:cs typeface="+mn-cs"/>
         </a:defRPr>
       </a:lvl8pPr>
-      <a:lvl9pPr marL="2130552" indent="-182880" algn="l" rtl="0" eaLnBrk="1" latinLnBrk="0" hangingPunct="1">
+      <a:lvl9pPr marL="2423929" indent="-208063" algn="l" rtl="0" eaLnBrk="1" latinLnBrk="0" hangingPunct="1">
         <a:lnSpc>
           <a:spcPct val="100000"/>
         </a:lnSpc>
@@ -4480,7 +4684,7 @@
         </a:buClr>
         <a:buFont typeface="Wingdings 2"/>
         <a:buChar char=""/>
-        <a:defRPr kumimoji="0" sz="2000" kern="1200">
+        <a:defRPr kumimoji="0" sz="2300" kern="1200">
           <a:solidFill>
             <a:schemeClr val="tx1"/>
           </a:solidFill>
@@ -4502,7 +4706,7 @@
           <a:cs typeface="+mn-cs"/>
         </a:defRPr>
       </a:lvl1pPr>
-      <a:lvl2pPr marL="457200" algn="l" rtl="0" eaLnBrk="1" latinLnBrk="0" hangingPunct="1">
+      <a:lvl2pPr marL="520156" algn="l" rtl="0" eaLnBrk="1" latinLnBrk="0" hangingPunct="1">
         <a:defRPr kumimoji="0" kern="1200">
           <a:solidFill>
             <a:schemeClr val="tx1"/>
@@ -4512,7 +4716,7 @@
           <a:cs typeface="+mn-cs"/>
         </a:defRPr>
       </a:lvl2pPr>
-      <a:lvl3pPr marL="914400" algn="l" rtl="0" eaLnBrk="1" latinLnBrk="0" hangingPunct="1">
+      <a:lvl3pPr marL="1040313" algn="l" rtl="0" eaLnBrk="1" latinLnBrk="0" hangingPunct="1">
         <a:defRPr kumimoji="0" kern="1200">
           <a:solidFill>
             <a:schemeClr val="tx1"/>
@@ -4522,7 +4726,7 @@
           <a:cs typeface="+mn-cs"/>
         </a:defRPr>
       </a:lvl3pPr>
-      <a:lvl4pPr marL="1371600" algn="l" rtl="0" eaLnBrk="1" latinLnBrk="0" hangingPunct="1">
+      <a:lvl4pPr marL="1560469" algn="l" rtl="0" eaLnBrk="1" latinLnBrk="0" hangingPunct="1">
         <a:defRPr kumimoji="0" kern="1200">
           <a:solidFill>
             <a:schemeClr val="tx1"/>
@@ -4532,7 +4736,7 @@
           <a:cs typeface="+mn-cs"/>
         </a:defRPr>
       </a:lvl4pPr>
-      <a:lvl5pPr marL="1828800" algn="l" rtl="0" eaLnBrk="1" latinLnBrk="0" hangingPunct="1">
+      <a:lvl5pPr marL="2080626" algn="l" rtl="0" eaLnBrk="1" latinLnBrk="0" hangingPunct="1">
         <a:defRPr kumimoji="0" kern="1200">
           <a:solidFill>
             <a:schemeClr val="tx1"/>
@@ -4542,7 +4746,7 @@
           <a:cs typeface="+mn-cs"/>
         </a:defRPr>
       </a:lvl5pPr>
-      <a:lvl6pPr marL="2286000" algn="l" rtl="0" eaLnBrk="1" latinLnBrk="0" hangingPunct="1">
+      <a:lvl6pPr marL="2600782" algn="l" rtl="0" eaLnBrk="1" latinLnBrk="0" hangingPunct="1">
         <a:defRPr kumimoji="0" kern="1200">
           <a:solidFill>
             <a:schemeClr val="tx1"/>
@@ -4552,7 +4756,7 @@
           <a:cs typeface="+mn-cs"/>
         </a:defRPr>
       </a:lvl6pPr>
-      <a:lvl7pPr marL="2743200" algn="l" rtl="0" eaLnBrk="1" latinLnBrk="0" hangingPunct="1">
+      <a:lvl7pPr marL="3120939" algn="l" rtl="0" eaLnBrk="1" latinLnBrk="0" hangingPunct="1">
         <a:defRPr kumimoji="0" kern="1200">
           <a:solidFill>
             <a:schemeClr val="tx1"/>
@@ -4562,7 +4766,7 @@
           <a:cs typeface="+mn-cs"/>
         </a:defRPr>
       </a:lvl7pPr>
-      <a:lvl8pPr marL="3200400" algn="l" rtl="0" eaLnBrk="1" latinLnBrk="0" hangingPunct="1">
+      <a:lvl8pPr marL="3641095" algn="l" rtl="0" eaLnBrk="1" latinLnBrk="0" hangingPunct="1">
         <a:defRPr kumimoji="0" kern="1200">
           <a:solidFill>
             <a:schemeClr val="tx1"/>
@@ -4572,7 +4776,7 @@
           <a:cs typeface="+mn-cs"/>
         </a:defRPr>
       </a:lvl8pPr>
-      <a:lvl9pPr marL="3657600" algn="l" rtl="0" eaLnBrk="1" latinLnBrk="0" hangingPunct="1">
+      <a:lvl9pPr marL="4161252" algn="l" rtl="0" eaLnBrk="1" latinLnBrk="0" hangingPunct="1">
         <a:defRPr kumimoji="0" kern="1200">
           <a:solidFill>
             <a:schemeClr val="tx1"/>
@@ -4617,12 +4821,14 @@
         </p:nvSpPr>
         <p:spPr>
           <a:xfrm>
-            <a:off x="1475656" y="2348880"/>
+            <a:off x="1115616" y="2348880"/>
             <a:ext cx="7406640" cy="1472184"/>
           </a:xfrm>
         </p:spPr>
         <p:txBody>
-          <a:bodyPr/>
+          <a:bodyPr>
+            <a:normAutofit fontScale="90000"/>
+          </a:bodyPr>
           <a:lstStyle/>
           <a:p>
             <a:r>
@@ -4657,30 +4863,26 @@
           <a:p>
             <a:pPr algn="l"/>
             <a:r>
-              <a:rPr lang="pt-BR" sz="1800" dirty="0" smtClean="0"/>
+              <a:rPr lang="pt-BR" sz="2000" dirty="0"/>
               <a:t>Acadêmico:</a:t>
             </a:r>
-            <a:endParaRPr lang="pt-BR" sz="1800" dirty="0"/>
-          </a:p>
-          <a:p>
-            <a:r>
-              <a:rPr lang="pt-BR" sz="1800" dirty="0" smtClean="0"/>
+            <a:endParaRPr lang="pt-BR" sz="2000" dirty="0"/>
+          </a:p>
+          <a:p>
+            <a:r>
+              <a:rPr lang="pt-BR" sz="2000" dirty="0"/>
               <a:t>Paulo José dos Santos</a:t>
             </a:r>
           </a:p>
           <a:p>
             <a:r>
-              <a:rPr lang="pt-BR" sz="1800" dirty="0" smtClean="0"/>
-              <a:t>Professores </a:t>
-            </a:r>
-            <a:r>
-              <a:rPr lang="pt-BR" sz="1800" dirty="0" smtClean="0"/>
-              <a:t>da Banca:</a:t>
-            </a:r>
-          </a:p>
-          <a:p>
-            <a:r>
-              <a:rPr lang="pt-BR" sz="1800" dirty="0" smtClean="0">
+              <a:rPr lang="pt-BR" sz="2000" dirty="0"/>
+              <a:t>Professores da Banca:</a:t>
+            </a:r>
+          </a:p>
+          <a:p>
+            <a:r>
+              <a:rPr lang="pt-BR" sz="2000" dirty="0">
                 <a:solidFill>
                   <a:schemeClr val="tx1">
                     <a:lumMod val="95000"/>
@@ -4693,7 +4895,7 @@
               <a:t> </a:t>
             </a:r>
             <a:r>
-              <a:rPr lang="pt-BR" sz="1800" dirty="0">
+              <a:rPr lang="pt-BR" sz="2000" dirty="0">
                 <a:solidFill>
                   <a:schemeClr val="tx1">
                     <a:lumMod val="95000"/>
@@ -4705,10 +4907,10 @@
               </a:rPr>
               <a:t>Vivaldo Pinto </a:t>
             </a:r>
-            <a:endParaRPr lang="pt-BR" sz="1800" dirty="0"/>
-          </a:p>
-          <a:p>
-            <a:endParaRPr lang="pt-BR" sz="1800" dirty="0"/>
+            <a:endParaRPr lang="pt-BR" sz="2000" dirty="0"/>
+          </a:p>
+          <a:p>
+            <a:endParaRPr lang="pt-BR" sz="2000" dirty="0"/>
           </a:p>
         </p:txBody>
       </p:sp>
@@ -4749,41 +4951,18 @@
           <a:chExt cx="0" cy="0"/>
         </a:xfrm>
       </p:grpSpPr>
-      <p:sp>
-        <p:nvSpPr>
-          <p:cNvPr id="2" name="Título 1"/>
-          <p:cNvSpPr>
-            <a:spLocks noGrp="1"/>
-          </p:cNvSpPr>
-          <p:nvPr>
-            <p:ph type="title"/>
-          </p:nvPr>
-        </p:nvSpPr>
-        <p:spPr/>
-        <p:txBody>
-          <a:bodyPr/>
-          <a:lstStyle/>
-          <a:p>
-            <a:r>
-              <a:rPr lang="pt-BR" dirty="0" smtClean="0"/>
-              <a:t>Diagrama de Classe</a:t>
-            </a:r>
-            <a:endParaRPr lang="pt-BR" dirty="0"/>
-          </a:p>
-        </p:txBody>
-      </p:sp>
       <p:pic>
         <p:nvPicPr>
-          <p:cNvPr id="4" name="Espaço Reservado para Conteúdo 3"/>
+          <p:cNvPr id="6" name="Espaço Reservado para Conteúdo 5"/>
           <p:cNvPicPr>
             <a:picLocks noGrp="1" noChangeAspect="1"/>
           </p:cNvPicPr>
           <p:nvPr>
-            <p:ph idx="1"/>
+            <p:ph idx="4294967295"/>
           </p:nvPr>
         </p:nvPicPr>
         <p:blipFill>
-          <a:blip r:embed="rId2">
+          <a:blip r:embed="rId3">
             <a:extLst>
               <a:ext uri="{28A0092B-C50C-407E-A947-70E740481C1C}">
                 <a14:useLocalDpi xmlns:a14="http://schemas.microsoft.com/office/drawing/2010/main" val="0"/>
@@ -4796,15 +4975,51 @@
         </p:blipFill>
         <p:spPr>
           <a:xfrm>
-            <a:off x="1187624" y="1196752"/>
-            <a:ext cx="7848872" cy="5472608"/>
+            <a:off x="0" y="404664"/>
+            <a:ext cx="9144000" cy="6453338"/>
           </a:xfrm>
         </p:spPr>
       </p:pic>
+      <p:sp>
+        <p:nvSpPr>
+          <p:cNvPr id="7" name="CaixaDeTexto 6"/>
+          <p:cNvSpPr txBox="1"/>
+          <p:nvPr/>
+        </p:nvSpPr>
+        <p:spPr>
+          <a:xfrm>
+            <a:off x="0" y="-108866"/>
+            <a:ext cx="9144000" cy="523220"/>
+          </a:xfrm>
+          <a:prstGeom prst="rect">
+            <a:avLst/>
+          </a:prstGeom>
+          <a:solidFill>
+            <a:schemeClr val="bg1"/>
+          </a:solidFill>
+          <a:ln>
+            <a:noFill/>
+          </a:ln>
+        </p:spPr>
+        <p:txBody>
+          <a:bodyPr wrap="square" rtlCol="0">
+            <a:spAutoFit/>
+          </a:bodyPr>
+          <a:lstStyle/>
+          <a:p>
+            <a:pPr algn="ctr"/>
+            <a:r>
+              <a:rPr lang="en-US" sz="2800" dirty="0" smtClean="0"/>
+              <a:t>Diagrama de Classes </a:t>
+            </a:r>
+            <a:endParaRPr lang="pt-BR" sz="2800" dirty="0"/>
+          </a:p>
+        </p:txBody>
+      </p:sp>
     </p:spTree>
     <p:extLst>
       <p:ext uri="{BB962C8B-B14F-4D97-AF65-F5344CB8AC3E}">
-        <p14:creationId xmlns:p14="http://schemas.microsoft.com/office/powerpoint/2010/main" val="447432248"/>
+        <p14:creationId xmlns:p14="http://schemas.microsoft.com/office/powerpoint/2010/main" val="2165317618"/>
       </p:ext>
     </p:extLst>
   </p:cSld>
@@ -4838,6 +5053,109 @@
           <a:chExt cx="0" cy="0"/>
         </a:xfrm>
       </p:grpSpPr>
+      <p:pic>
+        <p:nvPicPr>
+          <p:cNvPr id="2" name="Imagem 1"/>
+          <p:cNvPicPr>
+            <a:picLocks noChangeAspect="1"/>
+          </p:cNvPicPr>
+          <p:nvPr/>
+        </p:nvPicPr>
+        <p:blipFill>
+          <a:blip r:embed="rId2">
+            <a:extLst>
+              <a:ext uri="{28A0092B-C50C-407E-A947-70E740481C1C}">
+                <a14:useLocalDpi xmlns:a14="http://schemas.microsoft.com/office/drawing/2010/main" val="0"/>
+              </a:ext>
+            </a:extLst>
+          </a:blip>
+          <a:stretch>
+            <a:fillRect/>
+          </a:stretch>
+        </p:blipFill>
+        <p:spPr>
+          <a:xfrm>
+            <a:off x="0" y="476672"/>
+            <a:ext cx="9144000" cy="6381328"/>
+          </a:xfrm>
+          <a:prstGeom prst="rect">
+            <a:avLst/>
+          </a:prstGeom>
+        </p:spPr>
+      </p:pic>
+      <p:sp>
+        <p:nvSpPr>
+          <p:cNvPr id="3" name="CaixaDeTexto 2"/>
+          <p:cNvSpPr txBox="1"/>
+          <p:nvPr/>
+        </p:nvSpPr>
+        <p:spPr>
+          <a:xfrm>
+            <a:off x="0" y="-57001"/>
+            <a:ext cx="9143999" cy="523220"/>
+          </a:xfrm>
+          <a:prstGeom prst="rect">
+            <a:avLst/>
+          </a:prstGeom>
+          <a:solidFill>
+            <a:schemeClr val="bg1"/>
+          </a:solidFill>
+          <a:ln>
+            <a:noFill/>
+          </a:ln>
+        </p:spPr>
+        <p:txBody>
+          <a:bodyPr wrap="square" rtlCol="0">
+            <a:spAutoFit/>
+          </a:bodyPr>
+          <a:lstStyle/>
+          <a:p>
+            <a:pPr algn="ctr"/>
+            <a:r>
+              <a:rPr lang="en-US" sz="2800" dirty="0" smtClean="0"/>
+              <a:t>Diagrama Entidade Relacional</a:t>
+            </a:r>
+            <a:endParaRPr lang="pt-BR" sz="2800" dirty="0"/>
+          </a:p>
+        </p:txBody>
+      </p:sp>
+    </p:spTree>
+    <p:extLst>
+      <p:ext uri="{BB962C8B-B14F-4D97-AF65-F5344CB8AC3E}">
+        <p14:creationId xmlns:p14="http://schemas.microsoft.com/office/powerpoint/2010/main" val="3012397056"/>
+      </p:ext>
+    </p:extLst>
+  </p:cSld>
+  <p:clrMapOvr>
+    <a:masterClrMapping/>
+  </p:clrMapOvr>
+  <p:timing>
+    <p:tnLst>
+      <p:par>
+        <p:cTn id="1" dur="indefinite" restart="never" nodeType="tmRoot"/>
+      </p:par>
+    </p:tnLst>
+  </p:timing>
+</p:sld>
+</file>
+
+<file path=ppt/slides/slide12.xml><?xml version="1.0" encoding="utf-8"?>
+<p:sld xmlns:a="http://schemas.openxmlformats.org/drawingml/2006/main" xmlns:r="http://schemas.openxmlformats.org/officeDocument/2006/relationships" xmlns:p="http://schemas.openxmlformats.org/presentationml/2006/main">
+  <p:cSld>
+    <p:spTree>
+      <p:nvGrpSpPr>
+        <p:cNvPr id="1" name=""/>
+        <p:cNvGrpSpPr/>
+        <p:nvPr/>
+      </p:nvGrpSpPr>
+      <p:grpSpPr>
+        <a:xfrm>
+          <a:off x="0" y="0"/>
+          <a:ext cx="0" cy="0"/>
+          <a:chOff x="0" y="0"/>
+          <a:chExt cx="0" cy="0"/>
+        </a:xfrm>
+      </p:grpSpPr>
       <p:sp>
         <p:nvSpPr>
           <p:cNvPr id="2" name="Título 1"/>
@@ -4848,7 +5166,12 @@
             <p:ph type="title"/>
           </p:nvPr>
         </p:nvSpPr>
-        <p:spPr/>
+        <p:spPr>
+          <a:xfrm>
+            <a:off x="1115616" y="116632"/>
+            <a:ext cx="7498080" cy="1143000"/>
+          </a:xfrm>
+        </p:spPr>
         <p:txBody>
           <a:bodyPr/>
           <a:lstStyle/>
@@ -4871,17 +5194,34 @@
             <p:ph idx="1"/>
           </p:nvPr>
         </p:nvSpPr>
-        <p:spPr/>
+        <p:spPr>
+          <a:xfrm>
+            <a:off x="1043608" y="1124744"/>
+            <a:ext cx="7992888" cy="4800600"/>
+          </a:xfrm>
+        </p:spPr>
         <p:txBody>
           <a:bodyPr/>
           <a:lstStyle/>
           <a:p>
-            <a:pPr marL="82296" indent="0" algn="just">
+            <a:pPr marL="93628" indent="0" algn="just">
               <a:buNone/>
             </a:pPr>
             <a:r>
               <a:rPr lang="pt-BR" dirty="0" smtClean="0"/>
-              <a:t>O novo sistema que será implantado na Gerencia TFD visa dar mais agilidade nos processos envolvido no programa de Tratamento Foro Domicílio, contando com vários benefícios para auxiliar os operadores do programa TFD no atendimento aos usuários do programa.</a:t>
+              <a:t>O novo sistema que será implantado na Gerencia TFD visa dar mais agilidade </a:t>
+            </a:r>
+            <a:r>
+              <a:rPr lang="pt-BR" dirty="0" smtClean="0"/>
+              <a:t>no processo </a:t>
+            </a:r>
+            <a:r>
+              <a:rPr lang="pt-BR" dirty="0" smtClean="0"/>
+              <a:t>envolvido no programa de Tratamento Foro Domicílio, contando com vários benefícios para auxiliar os operadores do programa TFD no atendimento aos </a:t>
+            </a:r>
+            <a:r>
+              <a:rPr lang="pt-BR" dirty="0" smtClean="0"/>
+              <a:t>usuários.</a:t>
             </a:r>
             <a:endParaRPr lang="pt-BR" dirty="0"/>
           </a:p>
@@ -4959,7 +5299,7 @@
         </p:nvSpPr>
         <p:spPr>
           <a:xfrm>
-            <a:off x="971600" y="2060848"/>
+            <a:off x="971601" y="2060848"/>
             <a:ext cx="7704856" cy="1290904"/>
           </a:xfrm>
         </p:spPr>
@@ -4971,14 +5311,10 @@
           <a:p>
             <a:pPr algn="ctr"/>
             <a:r>
-              <a:rPr lang="pt-BR" sz="3200" dirty="0" smtClean="0"/>
-              <a:t>Sistema de Informação </a:t>
-            </a:r>
-            <a:r>
-              <a:rPr lang="pt-BR" sz="3200" dirty="0" smtClean="0"/>
-              <a:t>de Paciente no Tratamento fora Domiciliar</a:t>
-            </a:r>
-            <a:endParaRPr lang="pt-BR" sz="3200" dirty="0"/>
+              <a:rPr lang="pt-BR" sz="3600" dirty="0"/>
+              <a:t>Sistema de Informação de Paciente no Tratamento fora Domiciliar</a:t>
+            </a:r>
+            <a:endParaRPr lang="pt-BR" sz="3600" dirty="0"/>
           </a:p>
         </p:txBody>
       </p:sp>
@@ -5031,19 +5367,21 @@
         </p:nvSpPr>
         <p:spPr>
           <a:xfrm>
-            <a:off x="1043608" y="274638"/>
-            <a:ext cx="7890080" cy="1143000"/>
-          </a:xfrm>
-        </p:spPr>
-        <p:txBody>
-          <a:bodyPr/>
+            <a:off x="1043608" y="0"/>
+            <a:ext cx="7890080" cy="692696"/>
+          </a:xfrm>
+        </p:spPr>
+        <p:txBody>
+          <a:bodyPr anchor="t">
+            <a:normAutofit fontScale="90000"/>
+          </a:bodyPr>
           <a:lstStyle/>
           <a:p>
             <a:r>
-              <a:rPr lang="pt-BR" dirty="0" smtClean="0"/>
+              <a:rPr lang="pt-BR" sz="4400" dirty="0" smtClean="0"/>
               <a:t>O que é TFD ?</a:t>
             </a:r>
-            <a:endParaRPr lang="pt-BR" dirty="0"/>
+            <a:endParaRPr lang="pt-BR" sz="4400" dirty="0"/>
           </a:p>
         </p:txBody>
       </p:sp>
@@ -5059,12 +5397,14 @@
         </p:nvSpPr>
         <p:spPr>
           <a:xfrm>
-            <a:off x="1043608" y="1600201"/>
-            <a:ext cx="7920880" cy="4133056"/>
-          </a:xfrm>
-        </p:spPr>
-        <p:txBody>
-          <a:bodyPr/>
+            <a:off x="1043608" y="1268760"/>
+            <a:ext cx="7920880" cy="4536504"/>
+          </a:xfrm>
+        </p:spPr>
+        <p:txBody>
+          <a:bodyPr>
+            <a:normAutofit fontScale="92500"/>
+          </a:bodyPr>
           <a:lstStyle/>
           <a:p>
             <a:pPr marL="0" indent="0" algn="just">
@@ -5133,14 +5473,21 @@
             <p:ph type="title"/>
           </p:nvPr>
         </p:nvSpPr>
-        <p:spPr/>
-        <p:txBody>
-          <a:bodyPr/>
+        <p:spPr>
+          <a:xfrm>
+            <a:off x="962352" y="-72008"/>
+            <a:ext cx="7498080" cy="836712"/>
+          </a:xfrm>
+        </p:spPr>
+        <p:txBody>
+          <a:bodyPr anchor="t">
+            <a:normAutofit fontScale="90000"/>
+          </a:bodyPr>
           <a:lstStyle/>
           <a:p>
             <a:r>
               <a:rPr lang="pt-BR" dirty="0" smtClean="0"/>
-              <a:t>Objetivo do Sistema</a:t>
+              <a:t>Descrição do Sistema Atual</a:t>
             </a:r>
             <a:endParaRPr lang="pt-BR" dirty="0"/>
           </a:p>
@@ -5158,29 +5505,48 @@
         </p:nvSpPr>
         <p:spPr>
           <a:xfrm>
-            <a:off x="971600" y="1844824"/>
-            <a:ext cx="7797552" cy="4525963"/>
-          </a:xfrm>
-        </p:spPr>
-        <p:txBody>
-          <a:bodyPr/>
+            <a:off x="1043608" y="908720"/>
+            <a:ext cx="7890080" cy="5339680"/>
+          </a:xfrm>
+        </p:spPr>
+        <p:txBody>
+          <a:bodyPr>
+            <a:normAutofit/>
+          </a:bodyPr>
           <a:lstStyle/>
           <a:p>
             <a:pPr marL="0" indent="0" algn="just">
               <a:buNone/>
             </a:pPr>
             <a:r>
-              <a:rPr lang="pt-BR" dirty="0" smtClean="0"/>
-              <a:t>	Facilitar o Controle dos Pacientes que estão no tratamento fora domicílio, dando para os operadores da Gerencia de tratamento fora domiciliar uma visão ampla e informatizada no acompanhamento do paciente envolvido no tratamento fora domicílio.</a:t>
-            </a:r>
-            <a:endParaRPr lang="pt-BR" dirty="0"/>
+              <a:rPr lang="pt-BR" sz="3200" dirty="0" smtClean="0"/>
+              <a:t>	O Sistema atual conta com uma base de dados crítica e não confiável e ainda não sendo um sistema multiusuários, e isso tem tornado os processos envolvidos no TFD mais manual do que informatizado.</a:t>
+            </a:r>
+          </a:p>
+          <a:p>
+            <a:pPr marL="0" indent="0" algn="just">
+              <a:buNone/>
+            </a:pPr>
+            <a:r>
+              <a:rPr lang="pt-BR" sz="3200" dirty="0" smtClean="0"/>
+              <a:t>	Isso vem dificultado o trabalho dos operadores da Gerencia TFD no controle dos </a:t>
+            </a:r>
+            <a:r>
+              <a:rPr lang="pt-BR" sz="3200" dirty="0" smtClean="0"/>
+              <a:t>pacientes </a:t>
+            </a:r>
+            <a:r>
+              <a:rPr lang="pt-BR" sz="3200" dirty="0" smtClean="0"/>
+              <a:t>em tratamento.</a:t>
+            </a:r>
+            <a:endParaRPr lang="pt-BR" sz="3200" dirty="0"/>
           </a:p>
         </p:txBody>
       </p:sp>
     </p:spTree>
     <p:extLst>
       <p:ext uri="{BB962C8B-B14F-4D97-AF65-F5344CB8AC3E}">
-        <p14:creationId xmlns:p14="http://schemas.microsoft.com/office/powerpoint/2010/main" val="468354791"/>
+        <p14:creationId xmlns:p14="http://schemas.microsoft.com/office/powerpoint/2010/main" val="1574503951"/>
       </p:ext>
     </p:extLst>
   </p:cSld>
@@ -5224,14 +5590,19 @@
             <p:ph type="title"/>
           </p:nvPr>
         </p:nvSpPr>
-        <p:spPr/>
+        <p:spPr>
+          <a:xfrm>
+            <a:off x="899592" y="0"/>
+            <a:ext cx="7498080" cy="1196752"/>
+          </a:xfrm>
+        </p:spPr>
         <p:txBody>
           <a:bodyPr/>
           <a:lstStyle/>
           <a:p>
             <a:r>
               <a:rPr lang="pt-BR" dirty="0" smtClean="0"/>
-              <a:t>Descrição do Sistema Atual</a:t>
+              <a:t>Objetivo do Sistema</a:t>
             </a:r>
             <a:endParaRPr lang="pt-BR" dirty="0"/>
           </a:p>
@@ -5249,12 +5620,14 @@
         </p:nvSpPr>
         <p:spPr>
           <a:xfrm>
-            <a:off x="1043608" y="1447800"/>
-            <a:ext cx="7890080" cy="4800600"/>
-          </a:xfrm>
-        </p:spPr>
-        <p:txBody>
-          <a:bodyPr/>
+            <a:off x="899593" y="1340770"/>
+            <a:ext cx="8244408" cy="4824534"/>
+          </a:xfrm>
+        </p:spPr>
+        <p:txBody>
+          <a:bodyPr>
+            <a:normAutofit/>
+          </a:bodyPr>
           <a:lstStyle/>
           <a:p>
             <a:pPr marL="0" indent="0" algn="just">
@@ -5262,16 +5635,39 @@
             </a:pPr>
             <a:r>
               <a:rPr lang="pt-BR" dirty="0" smtClean="0"/>
-              <a:t>	O Sistema atual conta com uma base de dados crítica e não confiável e ainda não sendo um sistema multiusuários, e isso tem tornado os processos envolvidos no TFD mais manual do que informatizado.</a:t>
-            </a:r>
-          </a:p>
-          <a:p>
-            <a:pPr marL="0" indent="0" algn="just">
-              <a:buNone/>
-            </a:pPr>
+              <a:t>	Facilitar o Controle </a:t>
+            </a:r>
             <a:r>
               <a:rPr lang="pt-BR" dirty="0" smtClean="0"/>
-              <a:t>	Isso vem dificultado o trabalho dos operadores da Gerencia TFD no controle dos pacientes em tratamento.</a:t>
+              <a:t>de requisições de viajem para Pacientes </a:t>
+            </a:r>
+            <a:r>
+              <a:rPr lang="pt-BR" dirty="0" smtClean="0"/>
+              <a:t>que estão no tratamento fora domicílio, dando para os operadores da </a:t>
+            </a:r>
+            <a:r>
+              <a:rPr lang="pt-BR" dirty="0" smtClean="0"/>
+              <a:t>gerencia </a:t>
+            </a:r>
+            <a:r>
+              <a:rPr lang="pt-BR" dirty="0" smtClean="0"/>
+              <a:t>de tratamento fora </a:t>
+            </a:r>
+            <a:r>
+              <a:rPr lang="pt-BR" dirty="0" smtClean="0"/>
+              <a:t>domiciliar uma visão ampla no </a:t>
+            </a:r>
+            <a:r>
+              <a:rPr lang="pt-BR" dirty="0" smtClean="0"/>
+              <a:t>acompanhamento do paciente envolvido no </a:t>
+            </a:r>
+            <a:r>
+              <a:rPr lang="pt-BR" dirty="0" smtClean="0"/>
+              <a:t>processo de tratamento </a:t>
+            </a:r>
+            <a:r>
+              <a:rPr lang="pt-BR" dirty="0" smtClean="0"/>
+              <a:t>fora domicílio.</a:t>
             </a:r>
             <a:endParaRPr lang="pt-BR" dirty="0"/>
           </a:p>
@@ -5280,7 +5676,7 @@
     </p:spTree>
     <p:extLst>
       <p:ext uri="{BB962C8B-B14F-4D97-AF65-F5344CB8AC3E}">
-        <p14:creationId xmlns:p14="http://schemas.microsoft.com/office/powerpoint/2010/main" val="1574503951"/>
+        <p14:creationId xmlns:p14="http://schemas.microsoft.com/office/powerpoint/2010/main" val="468354791"/>
       </p:ext>
     </p:extLst>
   </p:cSld>
@@ -5324,10 +5720,15 @@
             <p:ph type="title"/>
           </p:nvPr>
         </p:nvSpPr>
-        <p:spPr/>
-        <p:txBody>
-          <a:bodyPr>
-            <a:normAutofit/>
+        <p:spPr>
+          <a:xfrm>
+            <a:off x="971600" y="-27384"/>
+            <a:ext cx="7498080" cy="836712"/>
+          </a:xfrm>
+        </p:spPr>
+        <p:txBody>
+          <a:bodyPr anchor="t">
+            <a:normAutofit fontScale="90000"/>
           </a:bodyPr>
           <a:lstStyle/>
           <a:p>
@@ -5363,8 +5764,8 @@
         </p:blipFill>
         <p:spPr>
           <a:xfrm>
-            <a:off x="1331640" y="1340768"/>
-            <a:ext cx="7200800" cy="5256584"/>
+            <a:off x="1043608" y="692696"/>
+            <a:ext cx="7848872" cy="5904656"/>
           </a:xfrm>
         </p:spPr>
       </p:pic>
@@ -5415,18 +5816,23 @@
             <p:ph type="title"/>
           </p:nvPr>
         </p:nvSpPr>
-        <p:spPr/>
-        <p:txBody>
-          <a:bodyPr>
-            <a:normAutofit fontScale="90000"/>
+        <p:spPr>
+          <a:xfrm>
+            <a:off x="1043608" y="116632"/>
+            <a:ext cx="7498080" cy="648072"/>
+          </a:xfrm>
+        </p:spPr>
+        <p:txBody>
+          <a:bodyPr anchor="t">
+            <a:noAutofit/>
           </a:bodyPr>
           <a:lstStyle/>
           <a:p>
             <a:r>
-              <a:rPr lang="pt-BR" dirty="0" smtClean="0"/>
+              <a:rPr lang="pt-BR" sz="3600" dirty="0" smtClean="0"/>
               <a:t>Diagrama de Caso de Uso Principal</a:t>
             </a:r>
-            <a:endParaRPr lang="pt-BR" dirty="0"/>
+            <a:endParaRPr lang="pt-BR" sz="3600" dirty="0"/>
           </a:p>
         </p:txBody>
       </p:sp>
@@ -5454,8 +5860,8 @@
         </p:blipFill>
         <p:spPr>
           <a:xfrm>
-            <a:off x="1259632" y="1412776"/>
-            <a:ext cx="7674818" cy="4896543"/>
+            <a:off x="1043608" y="764704"/>
+            <a:ext cx="7848872" cy="5904656"/>
           </a:xfrm>
         </p:spPr>
       </p:pic>
@@ -5508,23 +5914,19 @@
         </p:nvSpPr>
         <p:spPr>
           <a:xfrm>
-            <a:off x="1115616" y="32618"/>
-            <a:ext cx="7498080" cy="1143000"/>
-          </a:xfrm>
-        </p:spPr>
-        <p:txBody>
-          <a:bodyPr>
+            <a:off x="1115616" y="32619"/>
+            <a:ext cx="7498080" cy="588069"/>
+          </a:xfrm>
+        </p:spPr>
+        <p:txBody>
+          <a:bodyPr anchor="t">
             <a:noAutofit/>
           </a:bodyPr>
           <a:lstStyle/>
           <a:p>
             <a:r>
-              <a:rPr lang="pt-BR" sz="2800" dirty="0" smtClean="0"/>
-              <a:t>Diagrama de </a:t>
-            </a:r>
-            <a:r>
-              <a:rPr lang="pt-BR" sz="2800" dirty="0" smtClean="0"/>
-              <a:t>Sequencia Requisição de Viagem</a:t>
+              <a:rPr lang="pt-BR" sz="2800" dirty="0"/>
+              <a:t>Diagrama de Sequencia Requisição de Viagem</a:t>
             </a:r>
             <a:endParaRPr lang="pt-BR" sz="2800" dirty="0"/>
           </a:p>
@@ -5554,8 +5956,8 @@
         </p:blipFill>
         <p:spPr>
           <a:xfrm>
-            <a:off x="1115616" y="980728"/>
-            <a:ext cx="7632848" cy="5400600"/>
+            <a:off x="1043608" y="548680"/>
+            <a:ext cx="7992888" cy="5832648"/>
           </a:xfrm>
         </p:spPr>
       </p:pic>
@@ -5608,7 +6010,7 @@
         </p:nvSpPr>
         <p:spPr>
           <a:xfrm>
-            <a:off x="1043608" y="27459"/>
+            <a:off x="1043608" y="27462"/>
             <a:ext cx="7498080" cy="809253"/>
           </a:xfrm>
         </p:spPr>
@@ -5619,10 +6021,10 @@
           <a:lstStyle/>
           <a:p>
             <a:r>
-              <a:rPr lang="pt-BR" sz="2800" dirty="0" smtClean="0"/>
+              <a:rPr lang="pt-BR" sz="3200" dirty="0"/>
               <a:t>Diagrama de Classe Conceitual</a:t>
             </a:r>
-            <a:endParaRPr lang="pt-BR" sz="2800" dirty="0"/>
+            <a:endParaRPr lang="pt-BR" sz="3200" dirty="0"/>
           </a:p>
         </p:txBody>
       </p:sp>
@@ -5650,7 +6052,7 @@
         </p:blipFill>
         <p:spPr>
           <a:xfrm>
-            <a:off x="1043608" y="692696"/>
+            <a:off x="1043609" y="692697"/>
             <a:ext cx="7920880" cy="5616347"/>
           </a:xfrm>
         </p:spPr>
